--- a/lessons/05_dynonet/dynoNet.pptx
+++ b/lessons/05_dynonet/dynoNet.pptx
@@ -210,7 +210,7 @@
           <a:p>
             <a:fld id="{99D4630A-6D3B-4C97-A7DC-509EB0048625}" type="datetimeFigureOut">
               <a:rPr lang="it-CH" smtClean="0"/>
-              <a:t>24.06.25</a:t>
+              <a:t>29.06.25</a:t>
             </a:fld>
             <a:endParaRPr lang="it-CH"/>
           </a:p>
@@ -2036,7 +2036,7 @@
           <a:p>
             <a:fld id="{2A147C38-CC24-4E9D-9FE1-BE5105214113}" type="datetimeFigureOut">
               <a:rPr lang="it-CH" smtClean="0"/>
-              <a:t>24.06.25</a:t>
+              <a:t>29.06.25</a:t>
             </a:fld>
             <a:endParaRPr lang="it-CH"/>
           </a:p>
@@ -2236,7 +2236,7 @@
           <a:p>
             <a:fld id="{2A147C38-CC24-4E9D-9FE1-BE5105214113}" type="datetimeFigureOut">
               <a:rPr lang="it-CH" smtClean="0"/>
-              <a:t>24.06.25</a:t>
+              <a:t>29.06.25</a:t>
             </a:fld>
             <a:endParaRPr lang="it-CH"/>
           </a:p>
@@ -2446,7 +2446,7 @@
           <a:p>
             <a:fld id="{2A147C38-CC24-4E9D-9FE1-BE5105214113}" type="datetimeFigureOut">
               <a:rPr lang="it-CH" smtClean="0"/>
-              <a:t>24.06.25</a:t>
+              <a:t>29.06.25</a:t>
             </a:fld>
             <a:endParaRPr lang="it-CH"/>
           </a:p>
@@ -2769,7 +2769,7 @@
           <a:p>
             <a:fld id="{2A147C38-CC24-4E9D-9FE1-BE5105214113}" type="datetimeFigureOut">
               <a:rPr lang="it-CH" smtClean="0"/>
-              <a:t>24.06.25</a:t>
+              <a:t>29.06.25</a:t>
             </a:fld>
             <a:endParaRPr lang="it-CH"/>
           </a:p>
@@ -3045,7 +3045,7 @@
           <a:p>
             <a:fld id="{2A147C38-CC24-4E9D-9FE1-BE5105214113}" type="datetimeFigureOut">
               <a:rPr lang="it-CH" smtClean="0"/>
-              <a:t>24.06.25</a:t>
+              <a:t>29.06.25</a:t>
             </a:fld>
             <a:endParaRPr lang="it-CH"/>
           </a:p>
@@ -3313,7 +3313,7 @@
           <a:p>
             <a:fld id="{2A147C38-CC24-4E9D-9FE1-BE5105214113}" type="datetimeFigureOut">
               <a:rPr lang="it-CH" smtClean="0"/>
-              <a:t>24.06.25</a:t>
+              <a:t>29.06.25</a:t>
             </a:fld>
             <a:endParaRPr lang="it-CH"/>
           </a:p>
@@ -3728,7 +3728,7 @@
           <a:p>
             <a:fld id="{2A147C38-CC24-4E9D-9FE1-BE5105214113}" type="datetimeFigureOut">
               <a:rPr lang="it-CH" smtClean="0"/>
-              <a:t>24.06.25</a:t>
+              <a:t>29.06.25</a:t>
             </a:fld>
             <a:endParaRPr lang="it-CH"/>
           </a:p>
@@ -3870,7 +3870,7 @@
           <a:p>
             <a:fld id="{2A147C38-CC24-4E9D-9FE1-BE5105214113}" type="datetimeFigureOut">
               <a:rPr lang="it-CH" smtClean="0"/>
-              <a:t>24.06.25</a:t>
+              <a:t>29.06.25</a:t>
             </a:fld>
             <a:endParaRPr lang="it-CH"/>
           </a:p>
@@ -3983,7 +3983,7 @@
           <a:p>
             <a:fld id="{2A147C38-CC24-4E9D-9FE1-BE5105214113}" type="datetimeFigureOut">
               <a:rPr lang="it-CH" smtClean="0"/>
-              <a:t>24.06.25</a:t>
+              <a:t>29.06.25</a:t>
             </a:fld>
             <a:endParaRPr lang="it-CH"/>
           </a:p>
@@ -4296,7 +4296,7 @@
           <a:p>
             <a:fld id="{2A147C38-CC24-4E9D-9FE1-BE5105214113}" type="datetimeFigureOut">
               <a:rPr lang="it-CH" smtClean="0"/>
-              <a:t>24.06.25</a:t>
+              <a:t>29.06.25</a:t>
             </a:fld>
             <a:endParaRPr lang="it-CH"/>
           </a:p>
@@ -4585,7 +4585,7 @@
           <a:p>
             <a:fld id="{2A147C38-CC24-4E9D-9FE1-BE5105214113}" type="datetimeFigureOut">
               <a:rPr lang="it-CH" smtClean="0"/>
-              <a:t>24.06.25</a:t>
+              <a:t>29.06.25</a:t>
             </a:fld>
             <a:endParaRPr lang="it-CH"/>
           </a:p>
@@ -4828,7 +4828,7 @@
           <a:p>
             <a:fld id="{2A147C38-CC24-4E9D-9FE1-BE5105214113}" type="datetimeFigureOut">
               <a:rPr lang="it-CH" smtClean="0"/>
-              <a:t>24.06.25</a:t>
+              <a:t>29.06.25</a:t>
             </a:fld>
             <a:endParaRPr lang="it-CH"/>
           </a:p>
@@ -5320,7 +5320,7 @@
                   </a:schemeClr>
                 </a:solidFill>
               </a:rPr>
-              <a:t>: transfer functions in deep learning</a:t>
+              <a:t>: linear dynamical blocks in deep learning</a:t>
             </a:r>
           </a:p>
           <a:p>
@@ -5774,10 +5774,10 @@
       </p:cxnSp>
       <p:pic>
         <p:nvPicPr>
-          <p:cNvPr id="8" name="Immagine 7" descr="\documentclass{article}&#10;\usepackage{amsmath}&#10;\usepackage{xcolor}&#10;\pagestyle{empty}&#10;\usepackage{bm}&#10;\newcommand{\pmeas}{{\bf p}}&#10;\newcommand{\umeas}{{\bf u}}&#10;\newcommand{\ymeas}{{\bf y}}&#10;\newcommand{\yo}{{\bf y}^{\rm o} }&#10;&#10;\newcommand{\nin}{n_u} &#10;\newcommand{\ny}{n_y} &#10;\newcommand{\nx}{n_x} &#10;\newcommand{\np}{n_p} &#10;\begin{document}&#10;\begin{align*}&#10;\textcolor{red}{\bar{\bf{u}}_{t} = \sum_{\tau=t}^T \bar{\bf{y}}_{\tau}  {\bf{g}}_{\tau-t}}&#10;\end{align*}&#10;&#10;&#10;&#10;&#10;\end{document}" title="IguanaTex Bitmap Display">
-            <a:extLst>
-              <a:ext uri="{FF2B5EF4-FFF2-40B4-BE49-F238E27FC236}">
-                <a16:creationId xmlns:a16="http://schemas.microsoft.com/office/drawing/2014/main" id="{72555403-918A-ED39-3FBE-D64FBC43909D}"/>
+          <p:cNvPr id="3" name="Picture 2" descr="\documentclass{article}&#10;\usepackage{amsmath}&#10;\usepackage{xcolor}&#10;\pagestyle{empty}&#10;\usepackage{bm}&#10;\newcommand{\pmeas}{{\bf p}}&#10;\newcommand{\umeas}{{\bf u}}&#10;\newcommand{\ymeas}{{\bf y}}&#10;\newcommand{\yo}{{\bf y}^{\rm o} }&#10;&#10;\newcommand{\nin}{n_u} &#10;\newcommand{\ny}{n_y} &#10;\newcommand{\nx}{n_x} &#10;\newcommand{\np}{n_p} &#10;\begin{document}&#10;\begin{align*}&#10;%\textcolor{red}&#10;{\bar{\bf{u}}_{t} = \sum_{\tau=t}^T \bar{\bf{y}}_{\tau}  {\bf{g}}_{\tau-t}}&#10;\end{align*}&#10;&#10;&#10;&#10;&#10;\end{document}" title="IguanaTex Bitmap Display">
+            <a:extLst>
+              <a:ext uri="{FF2B5EF4-FFF2-40B4-BE49-F238E27FC236}">
+                <a16:creationId xmlns:a16="http://schemas.microsoft.com/office/drawing/2014/main" id="{96A0BC7E-831D-4619-4861-2C3F821CEC0F}"/>
               </a:ext>
             </a:extLst>
           </p:cNvPr>
@@ -5791,347 +5791,21 @@
           </p:nvPr>
         </p:nvPicPr>
         <p:blipFill>
-          <a:blip r:embed="rId16">
-            <a:extLst>
-              <a:ext uri="{28A0092B-C50C-407E-A947-70E740481C1C}">
-                <a14:useLocalDpi xmlns:a14="http://schemas.microsoft.com/office/drawing/2010/main" val="0"/>
-              </a:ext>
-            </a:extLst>
-          </a:blip>
+          <a:blip r:embed="rId7"/>
           <a:stretch>
             <a:fillRect/>
           </a:stretch>
         </p:blipFill>
         <p:spPr>
           <a:xfrm>
-            <a:off x="3566035" y="2217094"/>
-            <a:ext cx="2075048" cy="872596"/>
+            <a:off x="3566035" y="963227"/>
+            <a:ext cx="2078198" cy="882073"/>
           </a:xfrm>
           <a:prstGeom prst="rect">
             <a:avLst/>
           </a:prstGeom>
         </p:spPr>
       </p:pic>
-      <p:pic>
-        <p:nvPicPr>
-          <p:cNvPr id="51" name="Immagine 50" descr="\documentclass{article}&#10;\usepackage{amsmath}&#10;\usepackage{xcolor}&#10;\pagestyle{empty}&#10;\usepackage{bm}&#10;\newcommand{\pmeas}{{\bf p}}&#10;\newcommand{\umeas}{{\bf u}}&#10;\newcommand{\ymeas}{{\bf y}}&#10;\newcommand{\yo}{{\bf y}^{\rm o} }&#10;&#10;\newcommand{\nin}{n_u} &#10;\newcommand{\ny}{n_y} &#10;\newcommand{\nx}{n_x} &#10;\newcommand{\np}{n_p} &#10;\begin{document}&#10;\begin{align*}&#10;\bar{\bf{u}}_{t} = \sum_{h=0}^{T-t} \bar{\bf{y}}_{T-h}  {\bf{g}}_{T-t-h}&#10;\end{align*}&#10;&#10;&#10;&#10;&#10;\end{document}" title="IguanaTex Bitmap Display">
-            <a:extLst>
-              <a:ext uri="{FF2B5EF4-FFF2-40B4-BE49-F238E27FC236}">
-                <a16:creationId xmlns:a16="http://schemas.microsoft.com/office/drawing/2014/main" id="{D06A8FC3-653A-973A-60CA-5C0271DA1DB9}"/>
-              </a:ext>
-            </a:extLst>
-          </p:cNvPr>
-          <p:cNvPicPr>
-            <a:picLocks noChangeAspect="1"/>
-          </p:cNvPicPr>
-          <p:nvPr>
-            <p:custDataLst>
-              <p:tags r:id="rId2"/>
-            </p:custDataLst>
-          </p:nvPr>
-        </p:nvPicPr>
-        <p:blipFill>
-          <a:blip r:embed="rId17">
-            <a:extLst>
-              <a:ext uri="{28A0092B-C50C-407E-A947-70E740481C1C}">
-                <a14:useLocalDpi xmlns:a14="http://schemas.microsoft.com/office/drawing/2010/main" val="0"/>
-              </a:ext>
-            </a:extLst>
-          </a:blip>
-          <a:stretch>
-            <a:fillRect/>
-          </a:stretch>
-        </p:blipFill>
-        <p:spPr>
-          <a:xfrm>
-            <a:off x="183136" y="3626031"/>
-            <a:ext cx="3178410" cy="1001450"/>
-          </a:xfrm>
-          <a:prstGeom prst="rect">
-            <a:avLst/>
-          </a:prstGeom>
-        </p:spPr>
-      </p:pic>
-      <p:pic>
-        <p:nvPicPr>
-          <p:cNvPr id="64" name="Immagine 63" descr="\documentclass{article}&#10;\usepackage{amsmath}&#10;\usepackage{xcolor}&#10;\pagestyle{empty}&#10;\usepackage{bm}&#10;\newcommand{\pmeas}{{\bf p}}&#10;\newcommand{\umeas}{{\bf u}}&#10;\newcommand{\ymeas}{{\bf y}}&#10;\newcommand{\yo}{{\bf y}^{\rm o} }&#10;&#10;\newcommand{\nin}{n_u} &#10;\newcommand{\ny}{n_y} &#10;\newcommand{\nx}{n_x} &#10;\newcommand{\np}{n_p} &#10;\begin{document}&#10;\begin{align*}&#10;\bar{\bf{u}}_{t} = \sum_{h=0}^{T-t} \textbf{flip}(\bar{\bf{y}})_{h}  {\bf{g}}_{T-t-h}&#10;\end{align*}&#10;&#10;&#10;&#10;&#10;\end{document}" title="IguanaTex Bitmap Display">
-            <a:extLst>
-              <a:ext uri="{FF2B5EF4-FFF2-40B4-BE49-F238E27FC236}">
-                <a16:creationId xmlns:a16="http://schemas.microsoft.com/office/drawing/2014/main" id="{A1E27EFB-DD83-6975-58FD-633342600FB4}"/>
-              </a:ext>
-            </a:extLst>
-          </p:cNvPr>
-          <p:cNvPicPr>
-            <a:picLocks noChangeAspect="1"/>
-          </p:cNvPicPr>
-          <p:nvPr>
-            <p:custDataLst>
-              <p:tags r:id="rId3"/>
-            </p:custDataLst>
-          </p:nvPr>
-        </p:nvPicPr>
-        <p:blipFill>
-          <a:blip r:embed="rId18">
-            <a:extLst>
-              <a:ext uri="{28A0092B-C50C-407E-A947-70E740481C1C}">
-                <a14:useLocalDpi xmlns:a14="http://schemas.microsoft.com/office/drawing/2010/main" val="0"/>
-              </a:ext>
-            </a:extLst>
-          </a:blip>
-          <a:stretch>
-            <a:fillRect/>
-          </a:stretch>
-        </p:blipFill>
-        <p:spPr>
-          <a:xfrm>
-            <a:off x="4657505" y="3790493"/>
-            <a:ext cx="2984360" cy="835296"/>
-          </a:xfrm>
-          <a:prstGeom prst="rect">
-            <a:avLst/>
-          </a:prstGeom>
-        </p:spPr>
-      </p:pic>
-      <p:pic>
-        <p:nvPicPr>
-          <p:cNvPr id="66" name="Immagine 65" descr="\documentclass{article}&#10;\usepackage{amsmath}&#10;\usepackage{xcolor}&#10;\pagestyle{empty}&#10;\usepackage{bm}&#10;\newcommand{\pmeas}{{\bf p}}&#10;\newcommand{\umeas}{{\bf u}}&#10;\newcommand{\ymeas}{{\bf y}}&#10;\newcommand{\yo}{{\bf y}^{\rm o} }&#10;&#10;\newcommand{\nin}{n_u} &#10;\newcommand{\ny}{n_y} &#10;\newcommand{\nx}{n_x} &#10;\newcommand{\np}{n_p} &#10;\begin{document}&#10;\begin{align*}&#10;\bar{\bf{u}}_{T-t} = \sum_{h=0}^{t} \textbf{flip}(\bar{\bf{y}})_{h}  {\bf{g}}_{t-h}&#10;\end{align*}&#10;&#10;&#10;&#10;&#10;\end{document}" title="IguanaTex Bitmap Display">
-            <a:extLst>
-              <a:ext uri="{FF2B5EF4-FFF2-40B4-BE49-F238E27FC236}">
-                <a16:creationId xmlns:a16="http://schemas.microsoft.com/office/drawing/2014/main" id="{14EE8351-B6EC-1410-357F-8F44C0CD62C8}"/>
-              </a:ext>
-            </a:extLst>
-          </p:cNvPr>
-          <p:cNvPicPr>
-            <a:picLocks noChangeAspect="1"/>
-          </p:cNvPicPr>
-          <p:nvPr>
-            <p:custDataLst>
-              <p:tags r:id="rId4"/>
-            </p:custDataLst>
-          </p:nvPr>
-        </p:nvPicPr>
-        <p:blipFill>
-          <a:blip r:embed="rId19">
-            <a:extLst>
-              <a:ext uri="{28A0092B-C50C-407E-A947-70E740481C1C}">
-                <a14:useLocalDpi xmlns:a14="http://schemas.microsoft.com/office/drawing/2010/main" val="0"/>
-              </a:ext>
-            </a:extLst>
-          </a:blip>
-          <a:stretch>
-            <a:fillRect/>
-          </a:stretch>
-        </p:blipFill>
-        <p:spPr>
-          <a:xfrm>
-            <a:off x="9156016" y="3814312"/>
-            <a:ext cx="2764233" cy="766267"/>
-          </a:xfrm>
-          <a:prstGeom prst="rect">
-            <a:avLst/>
-          </a:prstGeom>
-        </p:spPr>
-      </p:pic>
-      <p:pic>
-        <p:nvPicPr>
-          <p:cNvPr id="61" name="Immagine 60" descr="\documentclass{article}&#10;\usepackage{amsmath}&#10;\usepackage{xcolor}&#10;\pagestyle{empty}&#10;\usepackage{bm}&#10;\newcommand{\pmeas}{{\bf p}}&#10;\newcommand{\umeas}{{\bf u}}&#10;\newcommand{\ymeas}{{\bf y}}&#10;\newcommand{\yo}{{\bf y}^{\rm o} }&#10;&#10;\newcommand{\nin}{n_u} &#10;\newcommand{\ny}{n_y} &#10;\newcommand{\nx}{n_x} &#10;\newcommand{\np}{n_p} &#10;\begin{document}&#10;&#10; \begin{align*}&#10;{\bf{y}}_t =  \frac{B(q^{-1},\textcolor{red}{b})}{A(q^{-1}, \textcolor{red}{a})}{\bf{u}}_t = G(q^{-1}){\bf{u}}_t&#10; \end{align*}&#10;% {\frac{A(q^{-1},\textcolor{red}{a})}{B(q^{-1}, %\textcolor{red}{b})}}&#10;%\underbrace{G(q^{-1},\textcolor{red}{\theta})}}&#10;&#10;&#10;&#10;&#10;\end{document}" title="IguanaTex Bitmap Display">
-            <a:extLst>
-              <a:ext uri="{FF2B5EF4-FFF2-40B4-BE49-F238E27FC236}">
-                <a16:creationId xmlns:a16="http://schemas.microsoft.com/office/drawing/2014/main" id="{1A4A6CCC-79D3-D799-F2D9-B5E8C1D5EFC5}"/>
-              </a:ext>
-            </a:extLst>
-          </p:cNvPr>
-          <p:cNvPicPr>
-            <a:picLocks noChangeAspect="1"/>
-          </p:cNvPicPr>
-          <p:nvPr>
-            <p:custDataLst>
-              <p:tags r:id="rId5"/>
-            </p:custDataLst>
-          </p:nvPr>
-        </p:nvPicPr>
-        <p:blipFill>
-          <a:blip r:embed="rId20">
-            <a:extLst>
-              <a:ext uri="{28A0092B-C50C-407E-A947-70E740481C1C}">
-                <a14:useLocalDpi xmlns:a14="http://schemas.microsoft.com/office/drawing/2010/main" val="0"/>
-              </a:ext>
-            </a:extLst>
-          </a:blip>
-          <a:stretch>
-            <a:fillRect/>
-          </a:stretch>
-        </p:blipFill>
-        <p:spPr>
-          <a:xfrm>
-            <a:off x="4598420" y="810870"/>
-            <a:ext cx="2803292" cy="529291"/>
-          </a:xfrm>
-          <a:prstGeom prst="rect">
-            <a:avLst/>
-          </a:prstGeom>
-        </p:spPr>
-      </p:pic>
-      <p:pic>
-        <p:nvPicPr>
-          <p:cNvPr id="62" name="Immagine 61" descr="\documentclass{article}&#10;\usepackage{amsmath}&#10;\usepackage{xcolor}&#10;\pagestyle{empty}&#10;\usepackage{bm}&#10;\newcommand{\pmeas}{{\bf p}}&#10;\newcommand{\umeas}{{\bf u}}&#10;\newcommand{\ymeas}{{\bf y}}&#10;\newcommand{\yo}{{\bf y}^{\rm o} }&#10;&#10;\newcommand{\nin}{n_u} &#10;\newcommand{\ny}{n_y} &#10;\newcommand{\nx}{n_x} &#10;\newcommand{\np}{n_p} &#10;\begin{document}&#10;&#10; \begin{align*}&#10;{\bf{y}}_t = \textcolor{red}{a_1}{\bf{y}}_{t-1} + \dots +  \textcolor{red}{a_{n_a}}{\bf{y}}_{t-{n_a}} + \textcolor{red}{b_0}{\bf{u}}_{t} +\textcolor{red}{b_1}{\bf{u}}_{t-1} +\dots +  \textcolor{red}{b_{n_b}}{\bf{u}}_{t-{n_b}}&#10; \end{align*}&#10;&#10;&#10;&#10;&#10;\end{document}" title="IguanaTex Bitmap Display">
-            <a:extLst>
-              <a:ext uri="{FF2B5EF4-FFF2-40B4-BE49-F238E27FC236}">
-                <a16:creationId xmlns:a16="http://schemas.microsoft.com/office/drawing/2014/main" id="{3AFFC69E-7C80-EA87-14B0-0D3F35B95374}"/>
-              </a:ext>
-            </a:extLst>
-          </p:cNvPr>
-          <p:cNvPicPr>
-            <a:picLocks noChangeAspect="1"/>
-          </p:cNvPicPr>
-          <p:nvPr>
-            <p:custDataLst>
-              <p:tags r:id="rId6"/>
-            </p:custDataLst>
-          </p:nvPr>
-        </p:nvPicPr>
-        <p:blipFill>
-          <a:blip r:embed="rId21">
-            <a:extLst>
-              <a:ext uri="{28A0092B-C50C-407E-A947-70E740481C1C}">
-                <a14:useLocalDpi xmlns:a14="http://schemas.microsoft.com/office/drawing/2010/main" val="0"/>
-              </a:ext>
-            </a:extLst>
-          </a:blip>
-          <a:stretch>
-            <a:fillRect/>
-          </a:stretch>
-        </p:blipFill>
-        <p:spPr>
-          <a:xfrm>
-            <a:off x="4598420" y="1870776"/>
-            <a:ext cx="6431584" cy="224999"/>
-          </a:xfrm>
-          <a:prstGeom prst="rect">
-            <a:avLst/>
-          </a:prstGeom>
-        </p:spPr>
-      </p:pic>
-      <p:pic>
-        <p:nvPicPr>
-          <p:cNvPr id="27" name="Immagine 26" descr="\documentclass{article}&#10;\usepackage{amsmath}&#10;\usepackage{xcolor}&#10;\pagestyle{empty}&#10;\usepackage{bm}&#10;\newcommand{\pmeas}{{\bf p}}&#10;\newcommand{\umeas}{{\bf u}}&#10;\newcommand{\ymeas}{{\bf y}}&#10;\newcommand{\yo}{{\bf y}^{\rm o} }&#10;&#10;\newcommand{\nin}{n_u} &#10;\newcommand{\ny}{n_y} &#10;\newcommand{\nx}{n_x} &#10;\newcommand{\np}{n_p} &#10;\begin{document}&#10;&#10; \begin{align*}&#10;{\bf{y}}_t = \sum_{\tau=0}^{t}{\bf{u}}_{\tau}{\bf{g}}_{t-\tau}&#10; \end{align*}&#10;&#10;&#10;&#10;&#10;\end{document}" title="IguanaTex Bitmap Display">
-            <a:extLst>
-              <a:ext uri="{FF2B5EF4-FFF2-40B4-BE49-F238E27FC236}">
-                <a16:creationId xmlns:a16="http://schemas.microsoft.com/office/drawing/2014/main" id="{858F5D82-9376-35BD-AB29-1423A41DE7D5}"/>
-              </a:ext>
-            </a:extLst>
-          </p:cNvPr>
-          <p:cNvPicPr>
-            <a:picLocks noChangeAspect="1"/>
-          </p:cNvPicPr>
-          <p:nvPr>
-            <p:custDataLst>
-              <p:tags r:id="rId7"/>
-            </p:custDataLst>
-          </p:nvPr>
-        </p:nvPicPr>
-        <p:blipFill>
-          <a:blip r:embed="rId22">
-            <a:extLst>
-              <a:ext uri="{28A0092B-C50C-407E-A947-70E740481C1C}">
-                <a14:useLocalDpi xmlns:a14="http://schemas.microsoft.com/office/drawing/2010/main" val="0"/>
-              </a:ext>
-            </a:extLst>
-          </a:blip>
-          <a:stretch>
-            <a:fillRect/>
-          </a:stretch>
-        </p:blipFill>
-        <p:spPr>
-          <a:xfrm>
-            <a:off x="697487" y="1011619"/>
-            <a:ext cx="2226699" cy="919396"/>
-          </a:xfrm>
-          <a:prstGeom prst="rect">
-            <a:avLst/>
-          </a:prstGeom>
-        </p:spPr>
-      </p:pic>
-      <p:cxnSp>
-        <p:nvCxnSpPr>
-          <p:cNvPr id="3" name="Connettore diritto 2">
-            <a:extLst>
-              <a:ext uri="{FF2B5EF4-FFF2-40B4-BE49-F238E27FC236}">
-                <a16:creationId xmlns:a16="http://schemas.microsoft.com/office/drawing/2014/main" id="{A0BEF925-6DA1-DD31-2A79-AE5D8CFDEC73}"/>
-              </a:ext>
-            </a:extLst>
-          </p:cNvPr>
-          <p:cNvCxnSpPr/>
-          <p:nvPr/>
-        </p:nvCxnSpPr>
-        <p:spPr>
-          <a:xfrm flipV="1">
-            <a:off x="3076575" y="1152525"/>
-            <a:ext cx="1344432" cy="318792"/>
-          </a:xfrm>
-          <a:prstGeom prst="line">
-            <a:avLst/>
-          </a:prstGeom>
-          <a:ln>
-            <a:headEnd type="triangle" w="med" len="med"/>
-            <a:tailEnd type="triangle" w="med" len="med"/>
-          </a:ln>
-        </p:spPr>
-        <p:style>
-          <a:lnRef idx="1">
-            <a:schemeClr val="accent1"/>
-          </a:lnRef>
-          <a:fillRef idx="0">
-            <a:schemeClr val="accent1"/>
-          </a:fillRef>
-          <a:effectRef idx="0">
-            <a:schemeClr val="accent1"/>
-          </a:effectRef>
-          <a:fontRef idx="minor">
-            <a:schemeClr val="tx1"/>
-          </a:fontRef>
-        </p:style>
-      </p:cxnSp>
-      <p:cxnSp>
-        <p:nvCxnSpPr>
-          <p:cNvPr id="5" name="Connettore diritto 4">
-            <a:extLst>
-              <a:ext uri="{FF2B5EF4-FFF2-40B4-BE49-F238E27FC236}">
-                <a16:creationId xmlns:a16="http://schemas.microsoft.com/office/drawing/2014/main" id="{65B9B93E-6AD2-5621-4E13-8449E57143A2}"/>
-              </a:ext>
-            </a:extLst>
-          </p:cNvPr>
-          <p:cNvCxnSpPr/>
-          <p:nvPr/>
-        </p:nvCxnSpPr>
-        <p:spPr>
-          <a:xfrm>
-            <a:off x="3076575" y="1471317"/>
-            <a:ext cx="1344432" cy="399459"/>
-          </a:xfrm>
-          <a:prstGeom prst="line">
-            <a:avLst/>
-          </a:prstGeom>
-          <a:ln>
-            <a:headEnd type="triangle" w="med" len="med"/>
-            <a:tailEnd type="triangle" w="med" len="med"/>
-          </a:ln>
-        </p:spPr>
-        <p:style>
-          <a:lnRef idx="1">
-            <a:schemeClr val="accent1"/>
-          </a:lnRef>
-          <a:fillRef idx="0">
-            <a:schemeClr val="accent1"/>
-          </a:fillRef>
-          <a:effectRef idx="0">
-            <a:schemeClr val="accent1"/>
-          </a:effectRef>
-          <a:fontRef idx="minor">
-            <a:schemeClr val="tx1"/>
-          </a:fontRef>
-        </p:style>
-      </p:cxnSp>
       <p:sp>
         <p:nvSpPr>
           <p:cNvPr id="6" name="CasellaDiTesto 5">
@@ -6146,7 +5820,7 @@
         </p:nvSpPr>
         <p:spPr>
           <a:xfrm>
-            <a:off x="183136" y="2383772"/>
+            <a:off x="183136" y="1145680"/>
             <a:ext cx="10189589" cy="523220"/>
           </a:xfrm>
           <a:prstGeom prst="rect">
@@ -6161,63 +5835,18 @@
           <a:lstStyle/>
           <a:p>
             <a:r>
-              <a:rPr lang="en-GB" sz="2800" dirty="0">
-                <a:solidFill>
-                  <a:srgbClr val="FF0000"/>
-                </a:solidFill>
-              </a:rPr>
+              <a:rPr lang="en-GB" sz="2800" dirty="0"/>
               <a:t>Can we also compute                              recursively?</a:t>
             </a:r>
           </a:p>
         </p:txBody>
       </p:sp>
-      <p:cxnSp>
-        <p:nvCxnSpPr>
-          <p:cNvPr id="10" name="Connettore 2 9">
-            <a:extLst>
-              <a:ext uri="{FF2B5EF4-FFF2-40B4-BE49-F238E27FC236}">
-                <a16:creationId xmlns:a16="http://schemas.microsoft.com/office/drawing/2014/main" id="{602EE346-C90D-1613-B2B3-66129D03EC23}"/>
-              </a:ext>
-            </a:extLst>
-          </p:cNvPr>
-          <p:cNvCxnSpPr>
-            <a:cxnSpLocks/>
-          </p:cNvCxnSpPr>
-          <p:nvPr/>
-        </p:nvCxnSpPr>
-        <p:spPr>
-          <a:xfrm flipH="1">
-            <a:off x="2533650" y="3108194"/>
-            <a:ext cx="2323880" cy="806581"/>
-          </a:xfrm>
-          <a:prstGeom prst="straightConnector1">
-            <a:avLst/>
-          </a:prstGeom>
-          <a:ln>
-            <a:tailEnd type="triangle"/>
-          </a:ln>
-        </p:spPr>
-        <p:style>
-          <a:lnRef idx="1">
-            <a:schemeClr val="accent1"/>
-          </a:lnRef>
-          <a:fillRef idx="0">
-            <a:schemeClr val="accent1"/>
-          </a:fillRef>
-          <a:effectRef idx="0">
-            <a:schemeClr val="accent1"/>
-          </a:effectRef>
-          <a:fontRef idx="minor">
-            <a:schemeClr val="tx1"/>
-          </a:fontRef>
-        </p:style>
-      </p:cxnSp>
       <p:pic>
         <p:nvPicPr>
-          <p:cNvPr id="17" name="Immagine 16" descr="\documentclass{article}&#10;\usepackage{amsmath}&#10;\usepackage{xcolor}&#10;\pagestyle{empty}&#10;\usepackage{bm}&#10;\newcommand{\pmeas}{{\bf p}}&#10;\newcommand{\umeas}{{\bf u}}&#10;\newcommand{\ymeas}{{\bf y}}&#10;\newcommand{\yo}{{\bf y}^{\rm o} }&#10;&#10;\newcommand{\nin}{n_u} &#10;\newcommand{\ny}{n_y} &#10;\newcommand{\nx}{n_x} &#10;\newcommand{\np}{n_p} &#10;\begin{document}&#10;&#10; \begin{align*}&#10;h = T -\tau&#10; \end{align*}&#10;&#10;&#10;&#10;&#10;\end{document}" title="IguanaTex Bitmap Display">
-            <a:extLst>
-              <a:ext uri="{FF2B5EF4-FFF2-40B4-BE49-F238E27FC236}">
-                <a16:creationId xmlns:a16="http://schemas.microsoft.com/office/drawing/2014/main" id="{1D59F7A0-85A1-BD4C-CABF-6A1BCEDE0268}"/>
+          <p:cNvPr id="70" name="Immagine 69" descr="\documentclass{article}&#10;\usepackage{amsmath}&#10;\usepackage{xcolor}&#10;\pagestyle{empty}&#10;\usepackage{bm}&#10;\newcommand{\pmeas}{{\bf p}}&#10;\newcommand{\umeas}{{\bf u}}&#10;\newcommand{\ymeas}{{\bf y}}&#10;\newcommand{\yo}{{\bf y}^{\rm o} }&#10;&#10;\newcommand{\nin}{n_u} &#10;\newcommand{\ny}{n_y} &#10;\newcommand{\nx}{n_x} &#10;\newcommand{\np}{n_p} &#10;\begin{document}&#10;\begin{align*}&#10;\textbf{flip}(\bar{\bf{u}})_{t}   = \sum_{h=0}^{t} \textbf{flip}(\bar{\bf{y}})_{h}  {\bf{g}}_{t-h}&#10;\end{align*}&#10;&#10;&#10;&#10;&#10;\end{document}" title="IguanaTex Bitmap Display">
+            <a:extLst>
+              <a:ext uri="{FF2B5EF4-FFF2-40B4-BE49-F238E27FC236}">
+                <a16:creationId xmlns:a16="http://schemas.microsoft.com/office/drawing/2014/main" id="{E6B71833-3EC8-4A91-409A-1851228EFE61}"/>
               </a:ext>
             </a:extLst>
           </p:cNvPr>
@@ -6226,12 +5855,12 @@
           </p:cNvPicPr>
           <p:nvPr>
             <p:custDataLst>
-              <p:tags r:id="rId8"/>
+              <p:tags r:id="rId2"/>
             </p:custDataLst>
           </p:nvPr>
         </p:nvPicPr>
         <p:blipFill>
-          <a:blip r:embed="rId23">
+          <a:blip r:embed="rId8">
             <a:extLst>
               <a:ext uri="{28A0092B-C50C-407E-A947-70E740481C1C}">
                 <a14:useLocalDpi xmlns:a14="http://schemas.microsoft.com/office/drawing/2010/main" val="0"/>
@@ -6244,289 +5873,8 @@
         </p:blipFill>
         <p:spPr>
           <a:xfrm>
-            <a:off x="2793877" y="3212113"/>
-            <a:ext cx="954914" cy="155953"/>
-          </a:xfrm>
-          <a:prstGeom prst="rect">
-            <a:avLst/>
-          </a:prstGeom>
-        </p:spPr>
-      </p:pic>
-      <p:cxnSp>
-        <p:nvCxnSpPr>
-          <p:cNvPr id="20" name="Connettore 2 19">
-            <a:extLst>
-              <a:ext uri="{FF2B5EF4-FFF2-40B4-BE49-F238E27FC236}">
-                <a16:creationId xmlns:a16="http://schemas.microsoft.com/office/drawing/2014/main" id="{A4DC7471-9501-F09B-8D7B-8C734989AE06}"/>
-              </a:ext>
-            </a:extLst>
-          </p:cNvPr>
-          <p:cNvCxnSpPr/>
-          <p:nvPr/>
-        </p:nvCxnSpPr>
-        <p:spPr>
-          <a:xfrm>
-            <a:off x="3566035" y="4206825"/>
-            <a:ext cx="854972" cy="0"/>
-          </a:xfrm>
-          <a:prstGeom prst="straightConnector1">
-            <a:avLst/>
-          </a:prstGeom>
-          <a:ln>
-            <a:tailEnd type="triangle"/>
-          </a:ln>
-        </p:spPr>
-        <p:style>
-          <a:lnRef idx="1">
-            <a:schemeClr val="accent1"/>
-          </a:lnRef>
-          <a:fillRef idx="0">
-            <a:schemeClr val="accent1"/>
-          </a:fillRef>
-          <a:effectRef idx="0">
-            <a:schemeClr val="accent1"/>
-          </a:effectRef>
-          <a:fontRef idx="minor">
-            <a:schemeClr val="tx1"/>
-          </a:fontRef>
-        </p:style>
-      </p:cxnSp>
-      <p:cxnSp>
-        <p:nvCxnSpPr>
-          <p:cNvPr id="21" name="Connettore 2 20">
-            <a:extLst>
-              <a:ext uri="{FF2B5EF4-FFF2-40B4-BE49-F238E27FC236}">
-                <a16:creationId xmlns:a16="http://schemas.microsoft.com/office/drawing/2014/main" id="{90F7CFA3-E018-739E-EA21-3FFBC69626CA}"/>
-              </a:ext>
-            </a:extLst>
-          </p:cNvPr>
-          <p:cNvCxnSpPr>
-            <a:cxnSpLocks/>
-          </p:cNvCxnSpPr>
-          <p:nvPr/>
-        </p:nvCxnSpPr>
-        <p:spPr>
-          <a:xfrm>
-            <a:off x="7852285" y="4206825"/>
-            <a:ext cx="1186940" cy="0"/>
-          </a:xfrm>
-          <a:prstGeom prst="straightConnector1">
-            <a:avLst/>
-          </a:prstGeom>
-          <a:ln>
-            <a:tailEnd type="triangle"/>
-          </a:ln>
-        </p:spPr>
-        <p:style>
-          <a:lnRef idx="1">
-            <a:schemeClr val="accent1"/>
-          </a:lnRef>
-          <a:fillRef idx="0">
-            <a:schemeClr val="accent1"/>
-          </a:fillRef>
-          <a:effectRef idx="0">
-            <a:schemeClr val="accent1"/>
-          </a:effectRef>
-          <a:fontRef idx="minor">
-            <a:schemeClr val="tx1"/>
-          </a:fontRef>
-        </p:style>
-      </p:cxnSp>
-      <p:pic>
-        <p:nvPicPr>
-          <p:cNvPr id="24" name="Immagine 23" descr="\documentclass{article}&#10;\usepackage{amsmath}&#10;\usepackage{xcolor}&#10;\pagestyle{empty}&#10;\usepackage{bm}&#10;\newcommand{\pmeas}{{\bf p}}&#10;\newcommand{\umeas}{{\bf u}}&#10;\newcommand{\ymeas}{{\bf y}}&#10;\newcommand{\yo}{{\bf y}^{\rm o} }&#10;&#10;\newcommand{\nin}{n_u} &#10;\newcommand{\ny}{n_y} &#10;\newcommand{\nx}{n_x} &#10;\newcommand{\np}{n_p} &#10;\begin{document}&#10;&#10; \begin{align*}&#10;t \rightarrow T -t&#10; \end{align*}&#10;&#10;&#10;&#10;&#10;\end{document}" title="IguanaTex Bitmap Display">
-            <a:extLst>
-              <a:ext uri="{FF2B5EF4-FFF2-40B4-BE49-F238E27FC236}">
-                <a16:creationId xmlns:a16="http://schemas.microsoft.com/office/drawing/2014/main" id="{0094D479-4793-5316-6FDE-20D5D8BB9315}"/>
-              </a:ext>
-            </a:extLst>
-          </p:cNvPr>
-          <p:cNvPicPr>
-            <a:picLocks noChangeAspect="1"/>
-          </p:cNvPicPr>
-          <p:nvPr>
-            <p:custDataLst>
-              <p:tags r:id="rId9"/>
-            </p:custDataLst>
-          </p:nvPr>
-        </p:nvPicPr>
-        <p:blipFill>
-          <a:blip r:embed="rId24">
-            <a:extLst>
-              <a:ext uri="{28A0092B-C50C-407E-A947-70E740481C1C}">
-                <a14:useLocalDpi xmlns:a14="http://schemas.microsoft.com/office/drawing/2010/main" val="0"/>
-              </a:ext>
-            </a:extLst>
-          </a:blip>
-          <a:stretch>
-            <a:fillRect/>
-          </a:stretch>
-        </p:blipFill>
-        <p:spPr>
-          <a:xfrm>
-            <a:off x="7984293" y="3914775"/>
-            <a:ext cx="922924" cy="152754"/>
-          </a:xfrm>
-          <a:prstGeom prst="rect">
-            <a:avLst/>
-          </a:prstGeom>
-        </p:spPr>
-      </p:pic>
-      <p:pic>
-        <p:nvPicPr>
-          <p:cNvPr id="30" name="Immagine 29" descr="\documentclass{article}&#10;\usepackage{amsmath}&#10;\usepackage{xcolor}&#10;\pagestyle{empty}&#10;\usepackage{bm}&#10;\newcommand{\pmeas}{{\bf p}}&#10;\newcommand{\umeas}{{\bf u}}&#10;\newcommand{\ymeas}{{\bf y}}&#10;\newcommand{\yo}{{\bf y}^{\rm o} }&#10;&#10;\newcommand{\nin}{n_u} &#10;\newcommand{\ny}{n_y} &#10;\newcommand{\nx}{n_x} &#10;\newcommand{\np}{n_p} &#10;\begin{document}&#10;\begin{align*}&#10; \textbf{flip} &#10;\end{align*}&#10;&#10;&#10;&#10;\end{document}" title="IguanaTex Bitmap Display">
-            <a:extLst>
-              <a:ext uri="{FF2B5EF4-FFF2-40B4-BE49-F238E27FC236}">
-                <a16:creationId xmlns:a16="http://schemas.microsoft.com/office/drawing/2014/main" id="{7E390948-B837-EC78-5FDF-C5945C513E15}"/>
-              </a:ext>
-            </a:extLst>
-          </p:cNvPr>
-          <p:cNvPicPr>
-            <a:picLocks noChangeAspect="1"/>
-          </p:cNvPicPr>
-          <p:nvPr>
-            <p:custDataLst>
-              <p:tags r:id="rId10"/>
-            </p:custDataLst>
-          </p:nvPr>
-        </p:nvPicPr>
-        <p:blipFill>
-          <a:blip r:embed="rId25">
-            <a:extLst>
-              <a:ext uri="{28A0092B-C50C-407E-A947-70E740481C1C}">
-                <a14:useLocalDpi xmlns:a14="http://schemas.microsoft.com/office/drawing/2010/main" val="0"/>
-              </a:ext>
-            </a:extLst>
-          </a:blip>
-          <a:stretch>
-            <a:fillRect/>
-          </a:stretch>
-        </p:blipFill>
-        <p:spPr>
-          <a:xfrm>
-            <a:off x="3791160" y="3857763"/>
-            <a:ext cx="429821" cy="254488"/>
-          </a:xfrm>
-          <a:prstGeom prst="rect">
-            <a:avLst/>
-          </a:prstGeom>
-        </p:spPr>
-      </p:pic>
-      <p:pic>
-        <p:nvPicPr>
-          <p:cNvPr id="70" name="Immagine 69" descr="\documentclass{article}&#10;\usepackage{amsmath}&#10;\usepackage{xcolor}&#10;\pagestyle{empty}&#10;\usepackage{bm}&#10;\newcommand{\pmeas}{{\bf p}}&#10;\newcommand{\umeas}{{\bf u}}&#10;\newcommand{\ymeas}{{\bf y}}&#10;\newcommand{\yo}{{\bf y}^{\rm o} }&#10;&#10;\newcommand{\nin}{n_u} &#10;\newcommand{\ny}{n_y} &#10;\newcommand{\nx}{n_x} &#10;\newcommand{\np}{n_p} &#10;\begin{document}&#10;\begin{align*}&#10;\textbf{flip}(\bar{\bf{u}})_{t}   = \sum_{h=0}^{t} \textbf{flip}(\bar{\bf{y}})_{h}  {\bf{g}}_{t-h}&#10;\end{align*}&#10;&#10;&#10;&#10;&#10;\end{document}" title="IguanaTex Bitmap Display">
-            <a:extLst>
-              <a:ext uri="{FF2B5EF4-FFF2-40B4-BE49-F238E27FC236}">
-                <a16:creationId xmlns:a16="http://schemas.microsoft.com/office/drawing/2014/main" id="{E6B71833-3EC8-4A91-409A-1851228EFE61}"/>
-              </a:ext>
-            </a:extLst>
-          </p:cNvPr>
-          <p:cNvPicPr>
-            <a:picLocks noChangeAspect="1"/>
-          </p:cNvPicPr>
-          <p:nvPr>
-            <p:custDataLst>
-              <p:tags r:id="rId11"/>
-            </p:custDataLst>
-          </p:nvPr>
-        </p:nvPicPr>
-        <p:blipFill>
-          <a:blip r:embed="rId26">
-            <a:extLst>
-              <a:ext uri="{28A0092B-C50C-407E-A947-70E740481C1C}">
-                <a14:useLocalDpi xmlns:a14="http://schemas.microsoft.com/office/drawing/2010/main" val="0"/>
-              </a:ext>
-            </a:extLst>
-          </a:blip>
-          <a:stretch>
-            <a:fillRect/>
-          </a:stretch>
-        </p:blipFill>
-        <p:spPr>
-          <a:xfrm>
-            <a:off x="552958" y="5200650"/>
+            <a:off x="5641083" y="2525996"/>
             <a:ext cx="3073782" cy="766267"/>
-          </a:xfrm>
-          <a:prstGeom prst="rect">
-            <a:avLst/>
-          </a:prstGeom>
-        </p:spPr>
-      </p:pic>
-      <p:cxnSp>
-        <p:nvCxnSpPr>
-          <p:cNvPr id="34" name="Connettore 2 33">
-            <a:extLst>
-              <a:ext uri="{FF2B5EF4-FFF2-40B4-BE49-F238E27FC236}">
-                <a16:creationId xmlns:a16="http://schemas.microsoft.com/office/drawing/2014/main" id="{BD638A3F-B973-95FA-63E9-9CC2A4727FD1}"/>
-              </a:ext>
-            </a:extLst>
-          </p:cNvPr>
-          <p:cNvCxnSpPr>
-            <a:cxnSpLocks/>
-          </p:cNvCxnSpPr>
-          <p:nvPr/>
-        </p:nvCxnSpPr>
-        <p:spPr>
-          <a:xfrm flipH="1">
-            <a:off x="3076575" y="4438650"/>
-            <a:ext cx="6619875" cy="991708"/>
-          </a:xfrm>
-          <a:prstGeom prst="straightConnector1">
-            <a:avLst/>
-          </a:prstGeom>
-          <a:ln>
-            <a:tailEnd type="triangle"/>
-          </a:ln>
-        </p:spPr>
-        <p:style>
-          <a:lnRef idx="1">
-            <a:schemeClr val="accent1"/>
-          </a:lnRef>
-          <a:fillRef idx="0">
-            <a:schemeClr val="accent1"/>
-          </a:fillRef>
-          <a:effectRef idx="0">
-            <a:schemeClr val="accent1"/>
-          </a:effectRef>
-          <a:fontRef idx="minor">
-            <a:schemeClr val="tx1"/>
-          </a:fontRef>
-        </p:style>
-      </p:cxnSp>
-      <p:pic>
-        <p:nvPicPr>
-          <p:cNvPr id="37" name="Immagine 36" descr="\documentclass{article}&#10;\usepackage{amsmath}&#10;\usepackage{xcolor}&#10;\pagestyle{empty}&#10;\usepackage{bm}&#10;\newcommand{\pmeas}{{\bf p}}&#10;\newcommand{\umeas}{{\bf u}}&#10;\newcommand{\ymeas}{{\bf y}}&#10;\newcommand{\yo}{{\bf y}^{\rm o} }&#10;&#10;\newcommand{\nin}{n_u} &#10;\newcommand{\ny}{n_y} &#10;\newcommand{\nx}{n_x} &#10;\newcommand{\np}{n_p} &#10;\begin{document}&#10;\begin{align*}&#10; \textbf{flip} &#10;\end{align*}&#10;&#10;&#10;&#10;\end{document}" title="IguanaTex Bitmap Display">
-            <a:extLst>
-              <a:ext uri="{FF2B5EF4-FFF2-40B4-BE49-F238E27FC236}">
-                <a16:creationId xmlns:a16="http://schemas.microsoft.com/office/drawing/2014/main" id="{4A1CDB55-91C4-7C49-F7F3-FDF85442328A}"/>
-              </a:ext>
-            </a:extLst>
-          </p:cNvPr>
-          <p:cNvPicPr>
-            <a:picLocks noChangeAspect="1"/>
-          </p:cNvPicPr>
-          <p:nvPr>
-            <p:custDataLst>
-              <p:tags r:id="rId12"/>
-            </p:custDataLst>
-          </p:nvPr>
-        </p:nvPicPr>
-        <p:blipFill>
-          <a:blip r:embed="rId25">
-            <a:extLst>
-              <a:ext uri="{28A0092B-C50C-407E-A947-70E740481C1C}">
-                <a14:useLocalDpi xmlns:a14="http://schemas.microsoft.com/office/drawing/2010/main" val="0"/>
-              </a:ext>
-            </a:extLst>
-          </a:blip>
-          <a:stretch>
-            <a:fillRect/>
-          </a:stretch>
-        </p:blipFill>
-        <p:spPr>
-          <a:xfrm>
-            <a:off x="4220981" y="4872842"/>
-            <a:ext cx="429821" cy="254488"/>
           </a:xfrm>
           <a:prstGeom prst="rect">
             <a:avLst/>
@@ -6547,12 +5895,12 @@
           </p:cNvPicPr>
           <p:nvPr>
             <p:custDataLst>
-              <p:tags r:id="rId13"/>
+              <p:tags r:id="rId3"/>
             </p:custDataLst>
           </p:nvPr>
         </p:nvPicPr>
         <p:blipFill>
-          <a:blip r:embed="rId27">
+          <a:blip r:embed="rId9">
             <a:extLst>
               <a:ext uri="{28A0092B-C50C-407E-A947-70E740481C1C}">
                 <a14:useLocalDpi xmlns:a14="http://schemas.microsoft.com/office/drawing/2010/main" val="0"/>
@@ -6565,7 +5913,7 @@
         </p:blipFill>
         <p:spPr>
           <a:xfrm>
-            <a:off x="6252637" y="5287624"/>
+            <a:off x="5598159" y="4940302"/>
             <a:ext cx="4774566" cy="581212"/>
           </a:xfrm>
           <a:prstGeom prst="rect">
@@ -6575,7 +5923,7 @@
       </p:pic>
       <p:cxnSp>
         <p:nvCxnSpPr>
-          <p:cNvPr id="43" name="Connettore diritto 42">
+          <p:cNvPr id="43" name="Connettore diritto 42 1">
             <a:extLst>
               <a:ext uri="{FF2B5EF4-FFF2-40B4-BE49-F238E27FC236}">
                 <a16:creationId xmlns:a16="http://schemas.microsoft.com/office/drawing/2014/main" id="{0BAE27A6-F47E-2C3B-9AA0-064DD7186BE8}"/>
@@ -6588,9 +5936,9 @@
           <p:nvPr/>
         </p:nvCxnSpPr>
         <p:spPr>
-          <a:xfrm flipV="1">
-            <a:off x="3791160" y="5595507"/>
-            <a:ext cx="2327102" cy="18686"/>
+          <a:xfrm>
+            <a:off x="3665430" y="2925195"/>
+            <a:ext cx="1740960" cy="0"/>
           </a:xfrm>
           <a:prstGeom prst="line">
             <a:avLst/>
@@ -6629,7 +5977,7 @@
         </p:nvSpPr>
         <p:spPr>
           <a:xfrm>
-            <a:off x="7766137" y="6045554"/>
+            <a:off x="6268807" y="5835099"/>
             <a:ext cx="2891703" cy="461665"/>
           </a:xfrm>
           <a:prstGeom prst="rect">
@@ -6663,6 +6011,88 @@
           </a:p>
         </p:txBody>
       </p:sp>
+      <p:cxnSp>
+        <p:nvCxnSpPr>
+          <p:cNvPr id="4" name="Connettore diritto 42 2">
+            <a:extLst>
+              <a:ext uri="{FF2B5EF4-FFF2-40B4-BE49-F238E27FC236}">
+                <a16:creationId xmlns:a16="http://schemas.microsoft.com/office/drawing/2014/main" id="{36A21599-B88B-F4B4-56BE-5C7DE9D1657D}"/>
+              </a:ext>
+            </a:extLst>
+          </p:cNvPr>
+          <p:cNvCxnSpPr>
+            <a:cxnSpLocks/>
+          </p:cNvCxnSpPr>
+          <p:nvPr/>
+        </p:nvCxnSpPr>
+        <p:spPr>
+          <a:xfrm flipV="1">
+            <a:off x="7177974" y="3466215"/>
+            <a:ext cx="0" cy="1357245"/>
+          </a:xfrm>
+          <a:prstGeom prst="line">
+            <a:avLst/>
+          </a:prstGeom>
+          <a:ln>
+            <a:headEnd type="triangle" w="med" len="med"/>
+            <a:tailEnd type="triangle" w="med" len="med"/>
+          </a:ln>
+        </p:spPr>
+        <p:style>
+          <a:lnRef idx="1">
+            <a:schemeClr val="accent1"/>
+          </a:lnRef>
+          <a:fillRef idx="0">
+            <a:schemeClr val="accent1"/>
+          </a:fillRef>
+          <a:effectRef idx="0">
+            <a:schemeClr val="accent1"/>
+          </a:effectRef>
+          <a:fontRef idx="minor">
+            <a:schemeClr val="tx1"/>
+          </a:fontRef>
+        </p:style>
+      </p:cxnSp>
+      <p:pic>
+        <p:nvPicPr>
+          <p:cNvPr id="11" name="Immagine 21" descr="\documentclass{article}&#10;\usepackage{amsmath}&#10;\usepackage{xcolor}&#10;\pagestyle{empty}&#10;\usepackage{bm}&#10;\newcommand{\pmeas}{{\bf p}}&#10;\newcommand{\umeas}{{\bf u}}&#10;\newcommand{\ymeas}{{\bf y}}&#10;\newcommand{\yo}{{\bf y}^{\rm o} }&#10;&#10;\newcommand{\nin}{n_u} &#10;\newcommand{\ny}{n_y} &#10;\newcommand{\nx}{n_x} &#10;\newcommand{\np}{n_p} &#10;\begin{document}&#10;\begin{align*}&#10;\bar{\bf{u}}_{t} = \sum_{\tau=t}^T \bar{\bf{y}}_{\tau}  {\bf{g}}_{\tau-t}&#10;\end{align*}&#10;&#10;&#10;&#10;&#10;\end{document}" title="IguanaTex Bitmap Display">
+            <a:extLst>
+              <a:ext uri="{FF2B5EF4-FFF2-40B4-BE49-F238E27FC236}">
+                <a16:creationId xmlns:a16="http://schemas.microsoft.com/office/drawing/2014/main" id="{6D1D1518-EF45-A86D-B9C1-4AF18C4AD9ED}"/>
+              </a:ext>
+            </a:extLst>
+          </p:cNvPr>
+          <p:cNvPicPr>
+            <a:picLocks noChangeAspect="1"/>
+          </p:cNvPicPr>
+          <p:nvPr>
+            <p:custDataLst>
+              <p:tags r:id="rId4"/>
+            </p:custDataLst>
+          </p:nvPr>
+        </p:nvPicPr>
+        <p:blipFill>
+          <a:blip r:embed="rId10">
+            <a:extLst>
+              <a:ext uri="{28A0092B-C50C-407E-A947-70E740481C1C}">
+                <a14:useLocalDpi xmlns:a14="http://schemas.microsoft.com/office/drawing/2010/main" val="0"/>
+              </a:ext>
+            </a:extLst>
+          </a:blip>
+          <a:stretch>
+            <a:fillRect/>
+          </a:stretch>
+        </p:blipFill>
+        <p:spPr>
+          <a:xfrm>
+            <a:off x="857252" y="2375579"/>
+            <a:ext cx="2209228" cy="929021"/>
+          </a:xfrm>
+          <a:prstGeom prst="rect">
+            <a:avLst/>
+          </a:prstGeom>
+        </p:spPr>
+      </p:pic>
     </p:spTree>
     <p:extLst>
       <p:ext uri="{BB962C8B-B14F-4D97-AF65-F5344CB8AC3E}">
@@ -6694,7 +6124,7 @@
                             </p:stCondLst>
                             <p:childTnLst>
                               <p:par>
-                                <p:cTn id="5" presetID="1" presetClass="entr" presetSubtype="0" fill="hold" grpId="0" nodeType="clickEffect">
+                                <p:cTn id="5" presetID="1" presetClass="entr" presetSubtype="0" fill="hold" nodeType="clickEffect">
                                   <p:stCondLst>
                                     <p:cond delay="0"/>
                                   </p:stCondLst>
@@ -6707,7 +6137,7 @@
                                           </p:stCondLst>
                                         </p:cTn>
                                         <p:tgtEl>
-                                          <p:spTgt spid="6"/>
+                                          <p:spTgt spid="11"/>
                                         </p:tgtEl>
                                         <p:attrNameLst>
                                           <p:attrName>style.visibility</p:attrName>
@@ -6734,7 +6164,7 @@
                                           </p:stCondLst>
                                         </p:cTn>
                                         <p:tgtEl>
-                                          <p:spTgt spid="8"/>
+                                          <p:spTgt spid="43"/>
                                         </p:tgtEl>
                                         <p:attrNameLst>
                                           <p:attrName>style.visibility</p:attrName>
@@ -6747,26 +6177,35 @@
                                   </p:childTnLst>
                                 </p:cTn>
                               </p:par>
-                            </p:childTnLst>
-                          </p:cTn>
-                        </p:par>
-                      </p:childTnLst>
-                    </p:cTn>
-                  </p:par>
-                  <p:par>
-                    <p:cTn id="9" fill="hold">
-                      <p:stCondLst>
-                        <p:cond delay="indefinite"/>
-                      </p:stCondLst>
-                      <p:childTnLst>
-                        <p:par>
-                          <p:cTn id="10" fill="hold">
-                            <p:stCondLst>
-                              <p:cond delay="0"/>
-                            </p:stCondLst>
-                            <p:childTnLst>
                               <p:par>
-                                <p:cTn id="11" presetID="1" presetClass="entr" presetSubtype="0" fill="hold" nodeType="clickEffect">
+                                <p:cTn id="9" presetID="1" presetClass="entr" presetSubtype="0" fill="hold" nodeType="withEffect">
+                                  <p:stCondLst>
+                                    <p:cond delay="0"/>
+                                  </p:stCondLst>
+                                  <p:childTnLst>
+                                    <p:set>
+                                      <p:cBhvr>
+                                        <p:cTn id="10" dur="1" fill="hold">
+                                          <p:stCondLst>
+                                            <p:cond delay="0"/>
+                                          </p:stCondLst>
+                                        </p:cTn>
+                                        <p:tgtEl>
+                                          <p:spTgt spid="70"/>
+                                        </p:tgtEl>
+                                        <p:attrNameLst>
+                                          <p:attrName>style.visibility</p:attrName>
+                                        </p:attrNameLst>
+                                      </p:cBhvr>
+                                      <p:to>
+                                        <p:strVal val="visible"/>
+                                      </p:to>
+                                    </p:set>
+                                  </p:childTnLst>
+                                </p:cTn>
+                              </p:par>
+                              <p:par>
+                                <p:cTn id="11" presetID="1" presetClass="entr" presetSubtype="0" fill="hold" nodeType="withEffect">
                                   <p:stCondLst>
                                     <p:cond delay="0"/>
                                   </p:stCondLst>
@@ -6779,7 +6218,7 @@
                                           </p:stCondLst>
                                         </p:cTn>
                                         <p:tgtEl>
-                                          <p:spTgt spid="17"/>
+                                          <p:spTgt spid="4"/>
                                         </p:tgtEl>
                                         <p:attrNameLst>
                                           <p:attrName>style.visibility</p:attrName>
@@ -6806,402 +6245,6 @@
                                           </p:stCondLst>
                                         </p:cTn>
                                         <p:tgtEl>
-                                          <p:spTgt spid="10"/>
-                                        </p:tgtEl>
-                                        <p:attrNameLst>
-                                          <p:attrName>style.visibility</p:attrName>
-                                        </p:attrNameLst>
-                                      </p:cBhvr>
-                                      <p:to>
-                                        <p:strVal val="visible"/>
-                                      </p:to>
-                                    </p:set>
-                                  </p:childTnLst>
-                                </p:cTn>
-                              </p:par>
-                              <p:par>
-                                <p:cTn id="15" presetID="1" presetClass="entr" presetSubtype="0" fill="hold" nodeType="withEffect">
-                                  <p:stCondLst>
-                                    <p:cond delay="0"/>
-                                  </p:stCondLst>
-                                  <p:childTnLst>
-                                    <p:set>
-                                      <p:cBhvr>
-                                        <p:cTn id="16" dur="1" fill="hold">
-                                          <p:stCondLst>
-                                            <p:cond delay="0"/>
-                                          </p:stCondLst>
-                                        </p:cTn>
-                                        <p:tgtEl>
-                                          <p:spTgt spid="51"/>
-                                        </p:tgtEl>
-                                        <p:attrNameLst>
-                                          <p:attrName>style.visibility</p:attrName>
-                                        </p:attrNameLst>
-                                      </p:cBhvr>
-                                      <p:to>
-                                        <p:strVal val="visible"/>
-                                      </p:to>
-                                    </p:set>
-                                  </p:childTnLst>
-                                </p:cTn>
-                              </p:par>
-                            </p:childTnLst>
-                          </p:cTn>
-                        </p:par>
-                      </p:childTnLst>
-                    </p:cTn>
-                  </p:par>
-                  <p:par>
-                    <p:cTn id="17" fill="hold">
-                      <p:stCondLst>
-                        <p:cond delay="indefinite"/>
-                      </p:stCondLst>
-                      <p:childTnLst>
-                        <p:par>
-                          <p:cTn id="18" fill="hold">
-                            <p:stCondLst>
-                              <p:cond delay="0"/>
-                            </p:stCondLst>
-                            <p:childTnLst>
-                              <p:par>
-                                <p:cTn id="19" presetID="1" presetClass="entr" presetSubtype="0" fill="hold" nodeType="clickEffect">
-                                  <p:stCondLst>
-                                    <p:cond delay="0"/>
-                                  </p:stCondLst>
-                                  <p:childTnLst>
-                                    <p:set>
-                                      <p:cBhvr>
-                                        <p:cTn id="20" dur="1" fill="hold">
-                                          <p:stCondLst>
-                                            <p:cond delay="0"/>
-                                          </p:stCondLst>
-                                        </p:cTn>
-                                        <p:tgtEl>
-                                          <p:spTgt spid="30"/>
-                                        </p:tgtEl>
-                                        <p:attrNameLst>
-                                          <p:attrName>style.visibility</p:attrName>
-                                        </p:attrNameLst>
-                                      </p:cBhvr>
-                                      <p:to>
-                                        <p:strVal val="visible"/>
-                                      </p:to>
-                                    </p:set>
-                                  </p:childTnLst>
-                                </p:cTn>
-                              </p:par>
-                              <p:par>
-                                <p:cTn id="21" presetID="1" presetClass="entr" presetSubtype="0" fill="hold" nodeType="withEffect">
-                                  <p:stCondLst>
-                                    <p:cond delay="0"/>
-                                  </p:stCondLst>
-                                  <p:childTnLst>
-                                    <p:set>
-                                      <p:cBhvr>
-                                        <p:cTn id="22" dur="1" fill="hold">
-                                          <p:stCondLst>
-                                            <p:cond delay="0"/>
-                                          </p:stCondLst>
-                                        </p:cTn>
-                                        <p:tgtEl>
-                                          <p:spTgt spid="20"/>
-                                        </p:tgtEl>
-                                        <p:attrNameLst>
-                                          <p:attrName>style.visibility</p:attrName>
-                                        </p:attrNameLst>
-                                      </p:cBhvr>
-                                      <p:to>
-                                        <p:strVal val="visible"/>
-                                      </p:to>
-                                    </p:set>
-                                  </p:childTnLst>
-                                </p:cTn>
-                              </p:par>
-                              <p:par>
-                                <p:cTn id="23" presetID="1" presetClass="entr" presetSubtype="0" fill="hold" nodeType="withEffect">
-                                  <p:stCondLst>
-                                    <p:cond delay="0"/>
-                                  </p:stCondLst>
-                                  <p:childTnLst>
-                                    <p:set>
-                                      <p:cBhvr>
-                                        <p:cTn id="24" dur="1" fill="hold">
-                                          <p:stCondLst>
-                                            <p:cond delay="0"/>
-                                          </p:stCondLst>
-                                        </p:cTn>
-                                        <p:tgtEl>
-                                          <p:spTgt spid="64"/>
-                                        </p:tgtEl>
-                                        <p:attrNameLst>
-                                          <p:attrName>style.visibility</p:attrName>
-                                        </p:attrNameLst>
-                                      </p:cBhvr>
-                                      <p:to>
-                                        <p:strVal val="visible"/>
-                                      </p:to>
-                                    </p:set>
-                                  </p:childTnLst>
-                                </p:cTn>
-                              </p:par>
-                            </p:childTnLst>
-                          </p:cTn>
-                        </p:par>
-                      </p:childTnLst>
-                    </p:cTn>
-                  </p:par>
-                  <p:par>
-                    <p:cTn id="25" fill="hold">
-                      <p:stCondLst>
-                        <p:cond delay="indefinite"/>
-                      </p:stCondLst>
-                      <p:childTnLst>
-                        <p:par>
-                          <p:cTn id="26" fill="hold">
-                            <p:stCondLst>
-                              <p:cond delay="0"/>
-                            </p:stCondLst>
-                            <p:childTnLst>
-                              <p:par>
-                                <p:cTn id="27" presetID="1" presetClass="entr" presetSubtype="0" fill="hold" nodeType="clickEffect">
-                                  <p:stCondLst>
-                                    <p:cond delay="0"/>
-                                  </p:stCondLst>
-                                  <p:childTnLst>
-                                    <p:set>
-                                      <p:cBhvr>
-                                        <p:cTn id="28" dur="1" fill="hold">
-                                          <p:stCondLst>
-                                            <p:cond delay="0"/>
-                                          </p:stCondLst>
-                                        </p:cTn>
-                                        <p:tgtEl>
-                                          <p:spTgt spid="24"/>
-                                        </p:tgtEl>
-                                        <p:attrNameLst>
-                                          <p:attrName>style.visibility</p:attrName>
-                                        </p:attrNameLst>
-                                      </p:cBhvr>
-                                      <p:to>
-                                        <p:strVal val="visible"/>
-                                      </p:to>
-                                    </p:set>
-                                  </p:childTnLst>
-                                </p:cTn>
-                              </p:par>
-                              <p:par>
-                                <p:cTn id="29" presetID="1" presetClass="entr" presetSubtype="0" fill="hold" nodeType="withEffect">
-                                  <p:stCondLst>
-                                    <p:cond delay="0"/>
-                                  </p:stCondLst>
-                                  <p:childTnLst>
-                                    <p:set>
-                                      <p:cBhvr>
-                                        <p:cTn id="30" dur="1" fill="hold">
-                                          <p:stCondLst>
-                                            <p:cond delay="0"/>
-                                          </p:stCondLst>
-                                        </p:cTn>
-                                        <p:tgtEl>
-                                          <p:spTgt spid="21"/>
-                                        </p:tgtEl>
-                                        <p:attrNameLst>
-                                          <p:attrName>style.visibility</p:attrName>
-                                        </p:attrNameLst>
-                                      </p:cBhvr>
-                                      <p:to>
-                                        <p:strVal val="visible"/>
-                                      </p:to>
-                                    </p:set>
-                                  </p:childTnLst>
-                                </p:cTn>
-                              </p:par>
-                              <p:par>
-                                <p:cTn id="31" presetID="1" presetClass="entr" presetSubtype="0" fill="hold" nodeType="withEffect">
-                                  <p:stCondLst>
-                                    <p:cond delay="0"/>
-                                  </p:stCondLst>
-                                  <p:childTnLst>
-                                    <p:set>
-                                      <p:cBhvr>
-                                        <p:cTn id="32" dur="1" fill="hold">
-                                          <p:stCondLst>
-                                            <p:cond delay="0"/>
-                                          </p:stCondLst>
-                                        </p:cTn>
-                                        <p:tgtEl>
-                                          <p:spTgt spid="66"/>
-                                        </p:tgtEl>
-                                        <p:attrNameLst>
-                                          <p:attrName>style.visibility</p:attrName>
-                                        </p:attrNameLst>
-                                      </p:cBhvr>
-                                      <p:to>
-                                        <p:strVal val="visible"/>
-                                      </p:to>
-                                    </p:set>
-                                  </p:childTnLst>
-                                </p:cTn>
-                              </p:par>
-                            </p:childTnLst>
-                          </p:cTn>
-                        </p:par>
-                      </p:childTnLst>
-                    </p:cTn>
-                  </p:par>
-                  <p:par>
-                    <p:cTn id="33" fill="hold">
-                      <p:stCondLst>
-                        <p:cond delay="indefinite"/>
-                      </p:stCondLst>
-                      <p:childTnLst>
-                        <p:par>
-                          <p:cTn id="34" fill="hold">
-                            <p:stCondLst>
-                              <p:cond delay="0"/>
-                            </p:stCondLst>
-                            <p:childTnLst>
-                              <p:par>
-                                <p:cTn id="35" presetID="1" presetClass="entr" presetSubtype="0" fill="hold" nodeType="clickEffect">
-                                  <p:stCondLst>
-                                    <p:cond delay="0"/>
-                                  </p:stCondLst>
-                                  <p:childTnLst>
-                                    <p:set>
-                                      <p:cBhvr>
-                                        <p:cTn id="36" dur="1" fill="hold">
-                                          <p:stCondLst>
-                                            <p:cond delay="0"/>
-                                          </p:stCondLst>
-                                        </p:cTn>
-                                        <p:tgtEl>
-                                          <p:spTgt spid="34"/>
-                                        </p:tgtEl>
-                                        <p:attrNameLst>
-                                          <p:attrName>style.visibility</p:attrName>
-                                        </p:attrNameLst>
-                                      </p:cBhvr>
-                                      <p:to>
-                                        <p:strVal val="visible"/>
-                                      </p:to>
-                                    </p:set>
-                                  </p:childTnLst>
-                                </p:cTn>
-                              </p:par>
-                              <p:par>
-                                <p:cTn id="37" presetID="1" presetClass="entr" presetSubtype="0" fill="hold" nodeType="withEffect">
-                                  <p:stCondLst>
-                                    <p:cond delay="0"/>
-                                  </p:stCondLst>
-                                  <p:childTnLst>
-                                    <p:set>
-                                      <p:cBhvr>
-                                        <p:cTn id="38" dur="1" fill="hold">
-                                          <p:stCondLst>
-                                            <p:cond delay="0"/>
-                                          </p:stCondLst>
-                                        </p:cTn>
-                                        <p:tgtEl>
-                                          <p:spTgt spid="37"/>
-                                        </p:tgtEl>
-                                        <p:attrNameLst>
-                                          <p:attrName>style.visibility</p:attrName>
-                                        </p:attrNameLst>
-                                      </p:cBhvr>
-                                      <p:to>
-                                        <p:strVal val="visible"/>
-                                      </p:to>
-                                    </p:set>
-                                  </p:childTnLst>
-                                </p:cTn>
-                              </p:par>
-                              <p:par>
-                                <p:cTn id="39" presetID="1" presetClass="entr" presetSubtype="0" fill="hold" nodeType="withEffect">
-                                  <p:stCondLst>
-                                    <p:cond delay="0"/>
-                                  </p:stCondLst>
-                                  <p:childTnLst>
-                                    <p:set>
-                                      <p:cBhvr>
-                                        <p:cTn id="40" dur="1" fill="hold">
-                                          <p:stCondLst>
-                                            <p:cond delay="0"/>
-                                          </p:stCondLst>
-                                        </p:cTn>
-                                        <p:tgtEl>
-                                          <p:spTgt spid="70"/>
-                                        </p:tgtEl>
-                                        <p:attrNameLst>
-                                          <p:attrName>style.visibility</p:attrName>
-                                        </p:attrNameLst>
-                                      </p:cBhvr>
-                                      <p:to>
-                                        <p:strVal val="visible"/>
-                                      </p:to>
-                                    </p:set>
-                                  </p:childTnLst>
-                                </p:cTn>
-                              </p:par>
-                            </p:childTnLst>
-                          </p:cTn>
-                        </p:par>
-                      </p:childTnLst>
-                    </p:cTn>
-                  </p:par>
-                  <p:par>
-                    <p:cTn id="41" fill="hold">
-                      <p:stCondLst>
-                        <p:cond delay="indefinite"/>
-                      </p:stCondLst>
-                      <p:childTnLst>
-                        <p:par>
-                          <p:cTn id="42" fill="hold">
-                            <p:stCondLst>
-                              <p:cond delay="0"/>
-                            </p:stCondLst>
-                            <p:childTnLst>
-                              <p:par>
-                                <p:cTn id="43" presetID="1" presetClass="entr" presetSubtype="0" fill="hold" nodeType="clickEffect">
-                                  <p:stCondLst>
-                                    <p:cond delay="0"/>
-                                  </p:stCondLst>
-                                  <p:childTnLst>
-                                    <p:set>
-                                      <p:cBhvr>
-                                        <p:cTn id="44" dur="1" fill="hold">
-                                          <p:stCondLst>
-                                            <p:cond delay="0"/>
-                                          </p:stCondLst>
-                                        </p:cTn>
-                                        <p:tgtEl>
-                                          <p:spTgt spid="43"/>
-                                        </p:tgtEl>
-                                        <p:attrNameLst>
-                                          <p:attrName>style.visibility</p:attrName>
-                                        </p:attrNameLst>
-                                      </p:cBhvr>
-                                      <p:to>
-                                        <p:strVal val="visible"/>
-                                      </p:to>
-                                    </p:set>
-                                  </p:childTnLst>
-                                </p:cTn>
-                              </p:par>
-                              <p:par>
-                                <p:cTn id="45" presetID="1" presetClass="entr" presetSubtype="0" fill="hold" nodeType="withEffect">
-                                  <p:stCondLst>
-                                    <p:cond delay="0"/>
-                                  </p:stCondLst>
-                                  <p:childTnLst>
-                                    <p:set>
-                                      <p:cBhvr>
-                                        <p:cTn id="46" dur="1" fill="hold">
-                                          <p:stCondLst>
-                                            <p:cond delay="0"/>
-                                          </p:stCondLst>
-                                        </p:cTn>
-                                        <p:tgtEl>
                                           <p:spTgt spid="76"/>
                                         </p:tgtEl>
                                         <p:attrNameLst>
@@ -7216,14 +6259,14 @@
                                 </p:cTn>
                               </p:par>
                               <p:par>
-                                <p:cTn id="47" presetID="1" presetClass="entr" presetSubtype="0" fill="hold" grpId="0" nodeType="withEffect">
+                                <p:cTn id="15" presetID="1" presetClass="entr" presetSubtype="0" fill="hold" grpId="0" nodeType="withEffect">
                                   <p:stCondLst>
                                     <p:cond delay="0"/>
                                   </p:stCondLst>
                                   <p:childTnLst>
                                     <p:set>
                                       <p:cBhvr>
-                                        <p:cTn id="48" dur="1" fill="hold">
+                                        <p:cTn id="16" dur="1" fill="hold">
                                           <p:stCondLst>
                                             <p:cond delay="0"/>
                                           </p:stCondLst>
@@ -7270,7 +6313,6 @@
       </p:par>
     </p:tnLst>
     <p:bldLst>
-      <p:bldP spid="6" grpId="0"/>
       <p:bldP spid="46" grpId="0"/>
     </p:bldLst>
   </p:timing>
@@ -7481,48 +6523,20 @@
           <a:lstStyle/>
           <a:p>
             <a:r>
-              <a:rPr lang="it-CH" sz="2400" dirty="0" err="1">
-                <a:solidFill>
-                  <a:schemeClr val="accent6">
-                    <a:lumMod val="75000"/>
-                  </a:schemeClr>
-                </a:solidFill>
-              </a:rPr>
+              <a:rPr lang="it-CH" sz="2400" dirty="0" err="1"/>
               <a:t>PyTorch</a:t>
             </a:r>
             <a:r>
-              <a:rPr lang="it-CH" sz="2400" dirty="0">
-                <a:solidFill>
-                  <a:schemeClr val="accent6">
-                    <a:lumMod val="75000"/>
-                  </a:schemeClr>
-                </a:solidFill>
-              </a:rPr>
+              <a:rPr lang="it-CH" sz="2400" dirty="0"/>
               <a:t> </a:t>
             </a:r>
             <a:r>
-              <a:rPr lang="it-CH" sz="2400" dirty="0" err="1">
-                <a:solidFill>
-                  <a:schemeClr val="accent6">
-                    <a:lumMod val="75000"/>
-                  </a:schemeClr>
-                </a:solidFill>
-              </a:rPr>
+              <a:rPr lang="it-CH" sz="2400" dirty="0" err="1"/>
               <a:t>implementation</a:t>
             </a:r>
             <a:r>
-              <a:rPr lang="it-CH" sz="2400" dirty="0">
-                <a:solidFill>
-                  <a:schemeClr val="accent6">
-                    <a:lumMod val="75000"/>
-                  </a:schemeClr>
-                </a:solidFill>
-              </a:rPr>
-              <a:t> </a:t>
-            </a:r>
-            <a:r>
               <a:rPr lang="it-CH" sz="2400" dirty="0"/>
-              <a:t>of the </a:t>
+              <a:t> of the </a:t>
             </a:r>
             <a:r>
               <a:rPr lang="it-CH" sz="2400" i="1" dirty="0"/>
@@ -16889,7 +15903,7 @@
             </a:pPr>
             <a:r>
               <a:rPr lang="en-GB" dirty="0"/>
-              <a:t>Well-known derivation, see e.g. the classic book</a:t>
+              <a:t>Well-known derivation, see e.g. the classic book:</a:t>
             </a:r>
           </a:p>
           <a:p>
@@ -19284,7 +18298,21 @@
               <a:p>
                 <a:r>
                   <a:rPr lang="en-CH" dirty="0"/>
-                  <a:t>It is equivalent to filtering through G!</a:t>
+                  <a:t>It is equivalent to filtering through </a:t>
+                </a:r>
+                <a14:m>
+                  <m:oMath xmlns:m="http://schemas.openxmlformats.org/officeDocument/2006/math">
+                    <m:r>
+                      <a:rPr lang="en-CH" i="1" dirty="0" smtClean="0">
+                        <a:latin typeface="Cambria Math" panose="02040503050406030204" pitchFamily="18" charset="0"/>
+                      </a:rPr>
+                      <m:t>𝐺</m:t>
+                    </m:r>
+                  </m:oMath>
+                </a14:m>
+                <a:r>
+                  <a:rPr lang="en-CH" dirty="0"/>
+                  <a:t>!</a:t>
                 </a:r>
               </a:p>
             </p:txBody>
@@ -19316,7 +18344,7 @@
               <a:blipFill>
                 <a:blip r:embed="rId11"/>
                 <a:stretch>
-                  <a:fillRect l="-488" t="-3846" b="-13462"/>
+                  <a:fillRect l="-488" t="-3846" b="-15385"/>
                 </a:stretch>
               </a:blipFill>
             </p:spPr>
@@ -20585,17 +19613,19 @@
 <file path=ppt/tags/tag53.xml><?xml version="1.0" encoding="utf-8"?>
 <p:tagLst xmlns:a="http://schemas.openxmlformats.org/drawingml/2006/main" xmlns:r="http://schemas.openxmlformats.org/officeDocument/2006/relationships" xmlns:p="http://schemas.openxmlformats.org/presentationml/2006/main">
   <p:tag name="OUTPUTDPI" val="2000"/>
-  <p:tag name="ORIGINALHEIGHT" val="597.6753"/>
-  <p:tag name="ORIGINALWIDTH" val="1435.321"/>
-  <p:tag name="LATEXADDIN" val="\documentclass{article}&#10;\usepackage{amsmath}&#10;\usepackage{xcolor}&#10;\pagestyle{empty}&#10;\usepackage{bm}&#10;\newcommand{\pmeas}{{\bf p}}&#10;\newcommand{\umeas}{{\bf u}}&#10;\newcommand{\ymeas}{{\bf y}}&#10;\newcommand{\yo}{{\bf y}^{\rm o} }&#10;&#10;\newcommand{\nin}{n_u} &#10;\newcommand{\ny}{n_y} &#10;\newcommand{\nx}{n_x} &#10;\newcommand{\np}{n_p} &#10;\begin{document}&#10;\begin{align*}&#10;\textcolor{red}{\bar{\bf{u}}_{t} = \sum_{\tau=t}^T \bar{\bf{y}}_{\tau}  {\bf{g}}_{\tau-t}}&#10;\end{align*}&#10;&#10;&#10;&#10;&#10;\end{document}"/>
+  <p:tag name="ORIGINALHEIGHT" val="29"/>
+  <p:tag name="ORIGINALWIDTH" val="69"/>
+  <p:tag name="OUTPUTTYPE" val="PDF"/>
+  <p:tag name="IGUANATEXVERSION" val="160"/>
+  <p:tag name="LATEXADDIN" val="\documentclass{article}&#10;\usepackage{amsmath}&#10;\usepackage{xcolor}&#10;\pagestyle{empty}&#10;\usepackage{bm}&#10;\newcommand{\pmeas}{{\bf p}}&#10;\newcommand{\umeas}{{\bf u}}&#10;\newcommand{\ymeas}{{\bf y}}&#10;\newcommand{\yo}{{\bf y}^{\rm o} }&#10;&#10;\newcommand{\nin}{n_u} &#10;\newcommand{\ny}{n_y} &#10;\newcommand{\nx}{n_x} &#10;\newcommand{\np}{n_p} &#10;\begin{document}&#10;\begin{align*}&#10;%\textcolor{red}&#10;{\bar{\bf{u}}_{t} = \sum_{\tau=t}^T \bar{\bf{y}}_{\tau}  {\bf{g}}_{\tau-t}}&#10;\end{align*}&#10;&#10;&#10;&#10;&#10;\end{document}"/>
   <p:tag name="IGUANATEXSIZE" val="24"/>
-  <p:tag name="IGUANATEXCURSOR" val="437"/>
-  <p:tag name="TRANSPARENCY" val="Vero"/>
+  <p:tag name="IGUANATEXCURSOR" val="348"/>
+  <p:tag name="TRANSPARENCY" val="True"/>
   <p:tag name="LATEXENGINEID" val="0"/>
-  <p:tag name="TEMPFOLDER" val="\\supsi.ch\DTI\HOME\dario.piga\Desktop\Testppt\temp\"/>
+  <p:tag name="TEMPFOLDER" val="/Users/marco.forgione/Library/Containers/com.microsoft.Powerpoint/Data/tmp/TemporaryItems/"/>
   <p:tag name="LATEXFORMHEIGHT" val="312"/>
-  <p:tag name="LATEXFORMWIDTH" val="384"/>
-  <p:tag name="LATEXFORMWRAP" val="Vero"/>
+  <p:tag name="LATEXFORMWIDTH" val="504"/>
+  <p:tag name="LATEXFORMWRAP" val="True"/>
   <p:tag name="BITMAPVECTOR" val="0"/>
 </p:tagLst>
 </file>
@@ -20603,11 +19633,11 @@
 <file path=ppt/tags/tag54.xml><?xml version="1.0" encoding="utf-8"?>
 <p:tagLst xmlns:a="http://schemas.openxmlformats.org/drawingml/2006/main" xmlns:r="http://schemas.openxmlformats.org/officeDocument/2006/relationships" xmlns:p="http://schemas.openxmlformats.org/presentationml/2006/main">
   <p:tag name="OUTPUTDPI" val="2000"/>
-  <p:tag name="ORIGINALHEIGHT" val="610.4237"/>
-  <p:tag name="ORIGINALWIDTH" val="1956.505"/>
-  <p:tag name="LATEXADDIN" val="\documentclass{article}&#10;\usepackage{amsmath}&#10;\usepackage{xcolor}&#10;\pagestyle{empty}&#10;\usepackage{bm}&#10;\newcommand{\pmeas}{{\bf p}}&#10;\newcommand{\umeas}{{\bf u}}&#10;\newcommand{\ymeas}{{\bf y}}&#10;\newcommand{\yo}{{\bf y}^{\rm o} }&#10;&#10;\newcommand{\nin}{n_u} &#10;\newcommand{\ny}{n_y} &#10;\newcommand{\nx}{n_x} &#10;\newcommand{\np}{n_p} &#10;\begin{document}&#10;\begin{align*}&#10;\bar{\bf{u}}_{t} = \sum_{h=0}^{T-t} \bar{\bf{y}}_{T-h}  {\bf{g}}_{T-t-h}&#10;\end{align*}&#10;&#10;&#10;&#10;&#10;\end{document}"/>
+  <p:tag name="ORIGINALHEIGHT" val="602.9246"/>
+  <p:tag name="ORIGINALWIDTH" val="2442.445"/>
+  <p:tag name="LATEXADDIN" val="\documentclass{article}&#10;\usepackage{amsmath}&#10;\usepackage{xcolor}&#10;\pagestyle{empty}&#10;\usepackage{bm}&#10;\newcommand{\pmeas}{{\bf p}}&#10;\newcommand{\umeas}{{\bf u}}&#10;\newcommand{\ymeas}{{\bf y}}&#10;\newcommand{\yo}{{\bf y}^{\rm o} }&#10;&#10;\newcommand{\nin}{n_u} &#10;\newcommand{\ny}{n_y} &#10;\newcommand{\nx}{n_x} &#10;\newcommand{\np}{n_p} &#10;\begin{document}&#10;\begin{align*}&#10;\textbf{flip}(\bar{\bf{u}})_{t}   = \sum_{h=0}^{t} \textbf{flip}(\bar{\bf{y}})_{h}  {\bf{g}}_{t-h}&#10;\end{align*}&#10;&#10;&#10;&#10;&#10;\end{document}"/>
   <p:tag name="IGUANATEXSIZE" val="24"/>
-  <p:tag name="IGUANATEXCURSOR" val="415"/>
+  <p:tag name="IGUANATEXCURSOR" val="347"/>
   <p:tag name="TRANSPARENCY" val="Vero"/>
   <p:tag name="LATEXENGINEID" val="0"/>
   <p:tag name="TEMPFOLDER" val="\\supsi.ch\DTI\HOME\dario.piga\Desktop\Testppt\temp\"/>
@@ -20621,11 +19651,11 @@
 <file path=ppt/tags/tag55.xml><?xml version="1.0" encoding="utf-8"?>
 <p:tagLst xmlns:a="http://schemas.openxmlformats.org/drawingml/2006/main" xmlns:r="http://schemas.openxmlformats.org/officeDocument/2006/relationships" xmlns:p="http://schemas.openxmlformats.org/presentationml/2006/main">
   <p:tag name="OUTPUTDPI" val="2000"/>
-  <p:tag name="ORIGINALHEIGHT" val="610.4237"/>
-  <p:tag name="ORIGINALWIDTH" val="2202.475"/>
-  <p:tag name="LATEXADDIN" val="\documentclass{article}&#10;\usepackage{amsmath}&#10;\usepackage{xcolor}&#10;\pagestyle{empty}&#10;\usepackage{bm}&#10;\newcommand{\pmeas}{{\bf p}}&#10;\newcommand{\umeas}{{\bf u}}&#10;\newcommand{\ymeas}{{\bf y}}&#10;\newcommand{\yo}{{\bf y}^{\rm o} }&#10;&#10;\newcommand{\nin}{n_u} &#10;\newcommand{\ny}{n_y} &#10;\newcommand{\nx}{n_x} &#10;\newcommand{\np}{n_p} &#10;\begin{document}&#10;\begin{align*}&#10;\bar{\bf{u}}_{t} = \sum_{h=0}^{T-t} \textbf{flip}(\bar{\bf{y}})_{h}  {\bf{g}}_{T-t-h}&#10;\end{align*}&#10;&#10;&#10;&#10;&#10;\end{document}"/>
+  <p:tag name="ORIGINALHEIGHT" val="506.1867"/>
+  <p:tag name="ORIGINALWIDTH" val="4158.23"/>
+  <p:tag name="LATEXADDIN" val="\documentclass{article}&#10;\usepackage{amsmath}&#10;\usepackage{xcolor}&#10;\pagestyle{empty}&#10;\usepackage{bm}&#10;\newcommand{\pmeas}{{\bf p}}&#10;\newcommand{\umeas}{{\bf u}}&#10;\newcommand{\ymeas}{{\bf y}}&#10;\newcommand{\yo}{{\bf y}^{\rm o} }&#10;&#10;\newcommand{\nin}{n_u} &#10;\newcommand{\ny}{n_y} &#10;\newcommand{\nx}{n_x} &#10;\newcommand{\np}{n_p} &#10;\begin{document}&#10;&#10; \begin{align*}&#10;\textbf{flip}(\bar{\bf{u}})_{t} =  \frac{B(q^{-1},\textcolor{red}{b})}{A(q^{-1}, \textcolor{red}{a})}\textbf{flip}(\bar{\bf{y}})_{t} = G(q^{-1})\textbf{flip}(\bar{\bf{y}})_{t}&#10; \end{align*}&#10;&#10;&#10;\end{document}"/>
   <p:tag name="IGUANATEXSIZE" val="24"/>
-  <p:tag name="IGUANATEXCURSOR" val="414"/>
+  <p:tag name="IGUANATEXCURSOR" val="517"/>
   <p:tag name="TRANSPARENCY" val="Vero"/>
   <p:tag name="LATEXENGINEID" val="0"/>
   <p:tag name="TEMPFOLDER" val="\\supsi.ch\DTI\HOME\dario.piga\Desktop\Testppt\temp\"/>
@@ -20639,65 +19669,11 @@
 <file path=ppt/tags/tag56.xml><?xml version="1.0" encoding="utf-8"?>
 <p:tagLst xmlns:a="http://schemas.openxmlformats.org/drawingml/2006/main" xmlns:r="http://schemas.openxmlformats.org/officeDocument/2006/relationships" xmlns:p="http://schemas.openxmlformats.org/presentationml/2006/main">
   <p:tag name="OUTPUTDPI" val="2000"/>
-  <p:tag name="ORIGINALHEIGHT" val="602.9246"/>
-  <p:tag name="ORIGINALWIDTH" val="2196.475"/>
-  <p:tag name="LATEXADDIN" val="\documentclass{article}&#10;\usepackage{amsmath}&#10;\usepackage{xcolor}&#10;\pagestyle{empty}&#10;\usepackage{bm}&#10;\newcommand{\pmeas}{{\bf p}}&#10;\newcommand{\umeas}{{\bf u}}&#10;\newcommand{\ymeas}{{\bf y}}&#10;\newcommand{\yo}{{\bf y}^{\rm o} }&#10;&#10;\newcommand{\nin}{n_u} &#10;\newcommand{\ny}{n_y} &#10;\newcommand{\nx}{n_x} &#10;\newcommand{\np}{n_p} &#10;\begin{document}&#10;\begin{align*}&#10;\bar{\bf{u}}_{T-t} = \sum_{h=0}^{t} \textbf{flip}(\bar{\bf{y}})_{h}  {\bf{g}}_{t-h}&#10;\end{align*}&#10;&#10;&#10;&#10;&#10;\end{document}"/>
+  <p:tag name="ORIGINALHEIGHT" val="597.6753"/>
+  <p:tag name="ORIGINALWIDTH" val="1435.321"/>
+  <p:tag name="LATEXADDIN" val="\documentclass{article}&#10;\usepackage{amsmath}&#10;\usepackage{xcolor}&#10;\pagestyle{empty}&#10;\usepackage{bm}&#10;\newcommand{\pmeas}{{\bf p}}&#10;\newcommand{\umeas}{{\bf u}}&#10;\newcommand{\ymeas}{{\bf y}}&#10;\newcommand{\yo}{{\bf y}^{\rm o} }&#10;&#10;\newcommand{\nin}{n_u} &#10;\newcommand{\ny}{n_y} &#10;\newcommand{\nx}{n_x} &#10;\newcommand{\np}{n_p} &#10;\begin{document}&#10;\begin{align*}&#10;\bar{\bf{u}}_{t} = \sum_{\tau=t}^T \bar{\bf{y}}_{\tau}  {\bf{g}}_{\tau-t}&#10;\end{align*}&#10;&#10;&#10;&#10;&#10;\end{document}"/>
   <p:tag name="IGUANATEXSIZE" val="24"/>
-  <p:tag name="IGUANATEXCURSOR" val="410"/>
-  <p:tag name="TRANSPARENCY" val="Vero"/>
-  <p:tag name="LATEXENGINEID" val="0"/>
-  <p:tag name="TEMPFOLDER" val="\\supsi.ch\DTI\HOME\dario.piga\Desktop\Testppt\temp\"/>
-  <p:tag name="LATEXFORMHEIGHT" val="312"/>
-  <p:tag name="LATEXFORMWIDTH" val="384"/>
-  <p:tag name="LATEXFORMWRAP" val="Vero"/>
-  <p:tag name="BITMAPVECTOR" val="0"/>
-</p:tagLst>
-</file>
-
-<file path=ppt/tags/tag57.xml><?xml version="1.0" encoding="utf-8"?>
-<p:tagLst xmlns:a="http://schemas.openxmlformats.org/drawingml/2006/main" xmlns:r="http://schemas.openxmlformats.org/officeDocument/2006/relationships" xmlns:p="http://schemas.openxmlformats.org/presentationml/2006/main">
-  <p:tag name="OUTPUTDPI" val="2000"/>
-  <p:tag name="ORIGINALHEIGHT" val="506.1867"/>
-  <p:tag name="ORIGINALWIDTH" val="2680.915"/>
-  <p:tag name="LATEXADDIN" val="\documentclass{article}&#10;\usepackage{amsmath}&#10;\usepackage{xcolor}&#10;\pagestyle{empty}&#10;\usepackage{bm}&#10;\newcommand{\pmeas}{{\bf p}}&#10;\newcommand{\umeas}{{\bf u}}&#10;\newcommand{\ymeas}{{\bf y}}&#10;\newcommand{\yo}{{\bf y}^{\rm o} }&#10;&#10;\newcommand{\nin}{n_u} &#10;\newcommand{\ny}{n_y} &#10;\newcommand{\nx}{n_x} &#10;\newcommand{\np}{n_p} &#10;\begin{document}&#10;&#10; \begin{align*}&#10;{\bf{y}}_t =  \frac{B(q^{-1},\textcolor{red}{b})}{A(q^{-1}, \textcolor{red}{a})}{\bf{u}}_t = G(q^{-1}){\bf{u}}_t&#10; \end{align*}&#10;% {\frac{A(q^{-1},\textcolor{red}{a})}{B(q^{-1}, %\textcolor{red}{b})}}&#10;%\underbrace{G(q^{-1},\textcolor{red}{\theta})}}&#10;&#10;&#10;&#10;&#10;\end{document}"/>
-  <p:tag name="IGUANATEXSIZE" val="24"/>
-  <p:tag name="IGUANATEXCURSOR" val="461"/>
-  <p:tag name="TRANSPARENCY" val="Vero"/>
-  <p:tag name="LATEXENGINEID" val="0"/>
-  <p:tag name="TEMPFOLDER" val="\\supsi.ch\DTI\HOME\dario.piga\Desktop\Testppt\temp\"/>
-  <p:tag name="LATEXFORMHEIGHT" val="312"/>
-  <p:tag name="LATEXFORMWIDTH" val="384"/>
-  <p:tag name="LATEXFORMWRAP" val="Vero"/>
-  <p:tag name="BITMAPVECTOR" val="0"/>
-</p:tagLst>
-</file>
-
-<file path=ppt/tags/tag58.xml><?xml version="1.0" encoding="utf-8"?>
-<p:tagLst xmlns:a="http://schemas.openxmlformats.org/drawingml/2006/main" xmlns:r="http://schemas.openxmlformats.org/officeDocument/2006/relationships" xmlns:p="http://schemas.openxmlformats.org/presentationml/2006/main">
-  <p:tag name="OUTPUTDPI" val="2000"/>
-  <p:tag name="ORIGINALHEIGHT" val="198.7251"/>
-  <p:tag name="ORIGINALWIDTH" val="5680.54"/>
-  <p:tag name="LATEXADDIN" val="\documentclass{article}&#10;\usepackage{amsmath}&#10;\usepackage{xcolor}&#10;\pagestyle{empty}&#10;\usepackage{bm}&#10;\newcommand{\pmeas}{{\bf p}}&#10;\newcommand{\umeas}{{\bf u}}&#10;\newcommand{\ymeas}{{\bf y}}&#10;\newcommand{\yo}{{\bf y}^{\rm o} }&#10;&#10;\newcommand{\nin}{n_u} &#10;\newcommand{\ny}{n_y} &#10;\newcommand{\nx}{n_x} &#10;\newcommand{\np}{n_p} &#10;\begin{document}&#10;&#10; \begin{align*}&#10;{\bf{y}}_t = \textcolor{red}{a_1}{\bf{y}}_{t-1} + \dots +  \textcolor{red}{a_{n_a}}{\bf{y}}_{t-{n_a}} + \textcolor{red}{b_0}{\bf{u}}_{t} +\textcolor{red}{b_1}{\bf{u}}_{t-1} +\dots +  \textcolor{red}{b_{n_b}}{\bf{u}}_{t-{n_b}}&#10; \end{align*}&#10;&#10;&#10;&#10;&#10;\end{document}"/>
-  <p:tag name="IGUANATEXSIZE" val="24"/>
-  <p:tag name="IGUANATEXCURSOR" val="472"/>
-  <p:tag name="TRANSPARENCY" val="Vero"/>
-  <p:tag name="LATEXENGINEID" val="0"/>
-  <p:tag name="TEMPFOLDER" val="\\supsi.ch\DTI\HOME\dario.piga\Desktop\Testppt\temp\"/>
-  <p:tag name="LATEXFORMHEIGHT" val="312"/>
-  <p:tag name="LATEXFORMWIDTH" val="384"/>
-  <p:tag name="LATEXFORMWRAP" val="Vero"/>
-  <p:tag name="BITMAPVECTOR" val="0"/>
-</p:tagLst>
-</file>
-
-<file path=ppt/tags/tag59.xml><?xml version="1.0" encoding="utf-8"?>
-<p:tagLst xmlns:a="http://schemas.openxmlformats.org/drawingml/2006/main" xmlns:r="http://schemas.openxmlformats.org/officeDocument/2006/relationships" xmlns:p="http://schemas.openxmlformats.org/presentationml/2006/main">
-  <p:tag name="OUTPUTDPI" val="2000"/>
-  <p:tag name="ORIGINALHEIGHT" val="595.4256"/>
-  <p:tag name="ORIGINALWIDTH" val="1442.07"/>
-  <p:tag name="LATEXADDIN" val="\documentclass{article}&#10;\usepackage{amsmath}&#10;\usepackage{xcolor}&#10;\pagestyle{empty}&#10;\usepackage{bm}&#10;\newcommand{\pmeas}{{\bf p}}&#10;\newcommand{\umeas}{{\bf u}}&#10;\newcommand{\ymeas}{{\bf y}}&#10;\newcommand{\yo}{{\bf y}^{\rm o} }&#10;&#10;\newcommand{\nin}{n_u} &#10;\newcommand{\ny}{n_y} &#10;\newcommand{\nx}{n_x} &#10;\newcommand{\np}{n_p} &#10;\begin{document}&#10;&#10; \begin{align*}&#10;{\bf{y}}_t = \sum_{\tau=0}^{t}{\bf{u}}_{\tau}{\bf{g}}_{t-\tau}&#10; \end{align*}&#10;&#10;&#10;&#10;&#10;\end{document}"/>
-  <p:tag name="IGUANATEXSIZE" val="24"/>
-  <p:tag name="IGUANATEXCURSOR" val="411"/>
+  <p:tag name="IGUANATEXCURSOR" val="392"/>
   <p:tag name="TRANSPARENCY" val="Vero"/>
   <p:tag name="LATEXENGINEID" val="0"/>
   <p:tag name="TEMPFOLDER" val="\\supsi.ch\DTI\HOME\dario.piga\Desktop\Testppt\temp\"/>
@@ -20716,114 +19692,6 @@
   <p:tag name="LATEXADDIN" val="\documentclass{article}&#10;\usepackage{amsmath}&#10;\usepackage{xcolor}&#10;\pagestyle{empty}&#10;\usepackage{bm}&#10;\newcommand{\pmeas}{{\bf p}}&#10;\newcommand{\umeas}{{\bf u}}&#10;\newcommand{\ymeas}{{\bf y}}&#10;\newcommand{\yo}{{\bf y}^{\rm o} }&#10;&#10;\newcommand{\nin}{n_u} &#10;\newcommand{\ny}{n_y} &#10;\newcommand{\nx}{n_x} &#10;\newcommand{\np}{n_p} &#10;\begin{document}&#10;&#10; \begin{align*}&#10;G(q^{-1},\textcolor{red}{\theta})&#10; \end{align*}&#10;% {\frac{A(q^{-1},\textcolor{red}{a})}{B(q^{-1}, %\textcolor{red}{b})}}&#10;%\underbrace{G(q^{-1},\textcolor{red}{\theta})}}&#10;&#10;&#10;&#10;&#10;\end{document}"/>
   <p:tag name="IGUANATEXSIZE" val="24"/>
   <p:tag name="IGUANATEXCURSOR" val="382"/>
-  <p:tag name="TRANSPARENCY" val="Vero"/>
-  <p:tag name="LATEXENGINEID" val="0"/>
-  <p:tag name="TEMPFOLDER" val="\\supsi.ch\DTI\HOME\dario.piga\Desktop\Testppt\temp\"/>
-  <p:tag name="LATEXFORMHEIGHT" val="312"/>
-  <p:tag name="LATEXFORMWIDTH" val="384"/>
-  <p:tag name="LATEXFORMWRAP" val="Vero"/>
-  <p:tag name="BITMAPVECTOR" val="0"/>
-</p:tagLst>
-</file>
-
-<file path=ppt/tags/tag60.xml><?xml version="1.0" encoding="utf-8"?>
-<p:tagLst xmlns:a="http://schemas.openxmlformats.org/drawingml/2006/main" xmlns:r="http://schemas.openxmlformats.org/officeDocument/2006/relationships" xmlns:p="http://schemas.openxmlformats.org/presentationml/2006/main">
-  <p:tag name="OUTPUTDPI" val="2000"/>
-  <p:tag name="ORIGINALHEIGHT" val="146.2317"/>
-  <p:tag name="ORIGINALWIDTH" val="895.3881"/>
-  <p:tag name="LATEXADDIN" val="\documentclass{article}&#10;\usepackage{amsmath}&#10;\usepackage{xcolor}&#10;\pagestyle{empty}&#10;\usepackage{bm}&#10;\newcommand{\pmeas}{{\bf p}}&#10;\newcommand{\umeas}{{\bf u}}&#10;\newcommand{\ymeas}{{\bf y}}&#10;\newcommand{\yo}{{\bf y}^{\rm o} }&#10;&#10;\newcommand{\nin}{n_u} &#10;\newcommand{\ny}{n_y} &#10;\newcommand{\nx}{n_x} &#10;\newcommand{\np}{n_p} &#10;\begin{document}&#10;&#10; \begin{align*}&#10;h = T -\tau&#10; \end{align*}&#10;&#10;&#10;&#10;&#10;\end{document}"/>
-  <p:tag name="IGUANATEXSIZE" val="24"/>
-  <p:tag name="IGUANATEXCURSOR" val="360"/>
-  <p:tag name="TRANSPARENCY" val="Vero"/>
-  <p:tag name="LATEXENGINEID" val="0"/>
-  <p:tag name="TEMPFOLDER" val="\\supsi.ch\DTI\HOME\dario.piga\Desktop\Testppt\temp\"/>
-  <p:tag name="LATEXFORMHEIGHT" val="312"/>
-  <p:tag name="LATEXFORMWIDTH" val="384"/>
-  <p:tag name="LATEXFORMWRAP" val="Vero"/>
-  <p:tag name="BITMAPVECTOR" val="0"/>
-</p:tagLst>
-</file>
-
-<file path=ppt/tags/tag61.xml><?xml version="1.0" encoding="utf-8"?>
-<p:tagLst xmlns:a="http://schemas.openxmlformats.org/drawingml/2006/main" xmlns:r="http://schemas.openxmlformats.org/officeDocument/2006/relationships" xmlns:p="http://schemas.openxmlformats.org/presentationml/2006/main">
-  <p:tag name="OUTPUTDPI" val="2000"/>
-  <p:tag name="ORIGINALHEIGHT" val="143.2321"/>
-  <p:tag name="ORIGINALWIDTH" val="865.3918"/>
-  <p:tag name="LATEXADDIN" val="\documentclass{article}&#10;\usepackage{amsmath}&#10;\usepackage{xcolor}&#10;\pagestyle{empty}&#10;\usepackage{bm}&#10;\newcommand{\pmeas}{{\bf p}}&#10;\newcommand{\umeas}{{\bf u}}&#10;\newcommand{\ymeas}{{\bf y}}&#10;\newcommand{\yo}{{\bf y}^{\rm o} }&#10;&#10;\newcommand{\nin}{n_u} &#10;\newcommand{\ny}{n_y} &#10;\newcommand{\nx}{n_x} &#10;\newcommand{\np}{n_p} &#10;\begin{document}&#10;&#10; \begin{align*}&#10;t \rightarrow T -t&#10; \end{align*}&#10;&#10;&#10;&#10;&#10;\end{document}"/>
-  <p:tag name="IGUANATEXSIZE" val="24"/>
-  <p:tag name="IGUANATEXCURSOR" val="367"/>
-  <p:tag name="TRANSPARENCY" val="Vero"/>
-  <p:tag name="LATEXENGINEID" val="0"/>
-  <p:tag name="TEMPFOLDER" val="\\supsi.ch\DTI\HOME\dario.piga\Desktop\Testppt\temp\"/>
-  <p:tag name="LATEXFORMHEIGHT" val="312"/>
-  <p:tag name="LATEXFORMWIDTH" val="384"/>
-  <p:tag name="LATEXFORMWRAP" val="Vero"/>
-  <p:tag name="BITMAPVECTOR" val="0"/>
-</p:tagLst>
-</file>
-
-<file path=ppt/tags/tag62.xml><?xml version="1.0" encoding="utf-8"?>
-<p:tagLst xmlns:a="http://schemas.openxmlformats.org/drawingml/2006/main" xmlns:r="http://schemas.openxmlformats.org/officeDocument/2006/relationships" xmlns:p="http://schemas.openxmlformats.org/presentationml/2006/main">
-  <p:tag name="OUTPUTDPI" val="2000"/>
-  <p:tag name="ORIGINALHEIGHT" val="185.9768"/>
-  <p:tag name="ORIGINALWIDTH" val="317.2103"/>
-  <p:tag name="LATEXADDIN" val="\documentclass{article}&#10;\usepackage{amsmath}&#10;\usepackage{xcolor}&#10;\pagestyle{empty}&#10;\usepackage{bm}&#10;\newcommand{\pmeas}{{\bf p}}&#10;\newcommand{\umeas}{{\bf u}}&#10;\newcommand{\ymeas}{{\bf y}}&#10;\newcommand{\yo}{{\bf y}^{\rm o} }&#10;&#10;\newcommand{\nin}{n_u} &#10;\newcommand{\ny}{n_y} &#10;\newcommand{\nx}{n_x} &#10;\newcommand{\np}{n_p} &#10;\begin{document}&#10;\begin{align*}&#10; \textbf{flip} &#10;\end{align*}&#10;&#10;&#10;&#10;\end{document}"/>
-  <p:tag name="IGUANATEXSIZE" val="24"/>
-  <p:tag name="IGUANATEXCURSOR" val="374"/>
-  <p:tag name="TRANSPARENCY" val="Vero"/>
-  <p:tag name="LATEXENGINEID" val="0"/>
-  <p:tag name="TEMPFOLDER" val="\\supsi.ch\DTI\HOME\dario.piga\Desktop\Testppt\temp\"/>
-  <p:tag name="LATEXFORMHEIGHT" val="312"/>
-  <p:tag name="LATEXFORMWIDTH" val="384"/>
-  <p:tag name="LATEXFORMWRAP" val="Vero"/>
-  <p:tag name="BITMAPVECTOR" val="0"/>
-</p:tagLst>
-</file>
-
-<file path=ppt/tags/tag63.xml><?xml version="1.0" encoding="utf-8"?>
-<p:tagLst xmlns:a="http://schemas.openxmlformats.org/drawingml/2006/main" xmlns:r="http://schemas.openxmlformats.org/officeDocument/2006/relationships" xmlns:p="http://schemas.openxmlformats.org/presentationml/2006/main">
-  <p:tag name="OUTPUTDPI" val="2000"/>
-  <p:tag name="ORIGINALHEIGHT" val="602.9246"/>
-  <p:tag name="ORIGINALWIDTH" val="2442.445"/>
-  <p:tag name="LATEXADDIN" val="\documentclass{article}&#10;\usepackage{amsmath}&#10;\usepackage{xcolor}&#10;\pagestyle{empty}&#10;\usepackage{bm}&#10;\newcommand{\pmeas}{{\bf p}}&#10;\newcommand{\umeas}{{\bf u}}&#10;\newcommand{\ymeas}{{\bf y}}&#10;\newcommand{\yo}{{\bf y}^{\rm o} }&#10;&#10;\newcommand{\nin}{n_u} &#10;\newcommand{\ny}{n_y} &#10;\newcommand{\nx}{n_x} &#10;\newcommand{\np}{n_p} &#10;\begin{document}&#10;\begin{align*}&#10;\textbf{flip}(\bar{\bf{u}})_{t}   = \sum_{h=0}^{t} \textbf{flip}(\bar{\bf{y}})_{h}  {\bf{g}}_{t-h}&#10;\end{align*}&#10;&#10;&#10;&#10;&#10;\end{document}"/>
-  <p:tag name="IGUANATEXSIZE" val="24"/>
-  <p:tag name="IGUANATEXCURSOR" val="347"/>
-  <p:tag name="TRANSPARENCY" val="Vero"/>
-  <p:tag name="LATEXENGINEID" val="0"/>
-  <p:tag name="TEMPFOLDER" val="\\supsi.ch\DTI\HOME\dario.piga\Desktop\Testppt\temp\"/>
-  <p:tag name="LATEXFORMHEIGHT" val="312"/>
-  <p:tag name="LATEXFORMWIDTH" val="384"/>
-  <p:tag name="LATEXFORMWRAP" val="Vero"/>
-  <p:tag name="BITMAPVECTOR" val="0"/>
-</p:tagLst>
-</file>
-
-<file path=ppt/tags/tag64.xml><?xml version="1.0" encoding="utf-8"?>
-<p:tagLst xmlns:a="http://schemas.openxmlformats.org/drawingml/2006/main" xmlns:r="http://schemas.openxmlformats.org/officeDocument/2006/relationships" xmlns:p="http://schemas.openxmlformats.org/presentationml/2006/main">
-  <p:tag name="OUTPUTDPI" val="2000"/>
-  <p:tag name="ORIGINALHEIGHT" val="185.9768"/>
-  <p:tag name="ORIGINALWIDTH" val="317.2103"/>
-  <p:tag name="LATEXADDIN" val="\documentclass{article}&#10;\usepackage{amsmath}&#10;\usepackage{xcolor}&#10;\pagestyle{empty}&#10;\usepackage{bm}&#10;\newcommand{\pmeas}{{\bf p}}&#10;\newcommand{\umeas}{{\bf u}}&#10;\newcommand{\ymeas}{{\bf y}}&#10;\newcommand{\yo}{{\bf y}^{\rm o} }&#10;&#10;\newcommand{\nin}{n_u} &#10;\newcommand{\ny}{n_y} &#10;\newcommand{\nx}{n_x} &#10;\newcommand{\np}{n_p} &#10;\begin{document}&#10;\begin{align*}&#10; \textbf{flip} &#10;\end{align*}&#10;&#10;&#10;&#10;\end{document}"/>
-  <p:tag name="IGUANATEXSIZE" val="24"/>
-  <p:tag name="IGUANATEXCURSOR" val="374"/>
-  <p:tag name="TRANSPARENCY" val="Vero"/>
-  <p:tag name="LATEXENGINEID" val="0"/>
-  <p:tag name="TEMPFOLDER" val="\\supsi.ch\DTI\HOME\dario.piga\Desktop\Testppt\temp\"/>
-  <p:tag name="LATEXFORMHEIGHT" val="312"/>
-  <p:tag name="LATEXFORMWIDTH" val="384"/>
-  <p:tag name="LATEXFORMWRAP" val="Vero"/>
-  <p:tag name="BITMAPVECTOR" val="0"/>
-</p:tagLst>
-</file>
-
-<file path=ppt/tags/tag65.xml><?xml version="1.0" encoding="utf-8"?>
-<p:tagLst xmlns:a="http://schemas.openxmlformats.org/drawingml/2006/main" xmlns:r="http://schemas.openxmlformats.org/officeDocument/2006/relationships" xmlns:p="http://schemas.openxmlformats.org/presentationml/2006/main">
-  <p:tag name="OUTPUTDPI" val="2000"/>
-  <p:tag name="ORIGINALHEIGHT" val="506.1867"/>
-  <p:tag name="ORIGINALWIDTH" val="4158.23"/>
-  <p:tag name="LATEXADDIN" val="\documentclass{article}&#10;\usepackage{amsmath}&#10;\usepackage{xcolor}&#10;\pagestyle{empty}&#10;\usepackage{bm}&#10;\newcommand{\pmeas}{{\bf p}}&#10;\newcommand{\umeas}{{\bf u}}&#10;\newcommand{\ymeas}{{\bf y}}&#10;\newcommand{\yo}{{\bf y}^{\rm o} }&#10;&#10;\newcommand{\nin}{n_u} &#10;\newcommand{\ny}{n_y} &#10;\newcommand{\nx}{n_x} &#10;\newcommand{\np}{n_p} &#10;\begin{document}&#10;&#10; \begin{align*}&#10;\textbf{flip}(\bar{\bf{u}})_{t} =  \frac{B(q^{-1},\textcolor{red}{b})}{A(q^{-1}, \textcolor{red}{a})}\textbf{flip}(\bar{\bf{y}})_{t} = G(q^{-1})\textbf{flip}(\bar{\bf{y}})_{t}&#10; \end{align*}&#10;&#10;&#10;\end{document}"/>
-  <p:tag name="IGUANATEXSIZE" val="24"/>
-  <p:tag name="IGUANATEXCURSOR" val="517"/>
   <p:tag name="TRANSPARENCY" val="Vero"/>
   <p:tag name="LATEXENGINEID" val="0"/>
   <p:tag name="TEMPFOLDER" val="\\supsi.ch\DTI\HOME\dario.piga\Desktop\Testppt\temp\"/>
